--- a/Problema 4.pptx
+++ b/Problema 4.pptx
@@ -4,12 +4,17 @@
   <p:sldMasterIdLst>
     <p:sldMasterId id="2147483886" r:id="rId1"/>
   </p:sldMasterIdLst>
+  <p:notesMasterIdLst>
+    <p:notesMasterId r:id="rId9"/>
+  </p:notesMasterIdLst>
   <p:sldIdLst>
     <p:sldId id="256" r:id="rId2"/>
     <p:sldId id="257" r:id="rId3"/>
     <p:sldId id="259" r:id="rId4"/>
     <p:sldId id="260" r:id="rId5"/>
-    <p:sldId id="261" r:id="rId6"/>
+    <p:sldId id="262" r:id="rId6"/>
+    <p:sldId id="263" r:id="rId7"/>
+    <p:sldId id="261" r:id="rId8"/>
   </p:sldIdLst>
   <p:sldSz cx="12192000" cy="6858000"/>
   <p:notesSz cx="6858000" cy="9144000"/>
@@ -110,10 +115,444 @@
   </p:defaultTextStyle>
   <p:extLst>
     <p:ext uri="{EFAFB233-063F-42B5-8137-9DF3F51BA10A}">
-      <p15:sldGuideLst xmlns:p15="http://schemas.microsoft.com/office/powerpoint/2012/main"/>
+      <p15:sldGuideLst xmlns:p15="http://schemas.microsoft.com/office/powerpoint/2012/main" xmlns=""/>
     </p:ext>
   </p:extLst>
 </p:presentation>
+</file>
+
+<file path=ppt/notesMasters/notesMaster1.xml><?xml version="1.0" encoding="utf-8"?>
+<p:notesMaster xmlns:a="http://schemas.openxmlformats.org/drawingml/2006/main" xmlns:r="http://schemas.openxmlformats.org/officeDocument/2006/relationships" xmlns:p="http://schemas.openxmlformats.org/presentationml/2006/main">
+  <p:cSld>
+    <p:bg>
+      <p:bgRef idx="1001">
+        <a:schemeClr val="bg1"/>
+      </p:bgRef>
+    </p:bg>
+    <p:spTree>
+      <p:nvGrpSpPr>
+        <p:cNvPr id="1" name=""/>
+        <p:cNvGrpSpPr/>
+        <p:nvPr/>
+      </p:nvGrpSpPr>
+      <p:grpSpPr>
+        <a:xfrm>
+          <a:off x="0" y="0"/>
+          <a:ext cx="0" cy="0"/>
+          <a:chOff x="0" y="0"/>
+          <a:chExt cx="0" cy="0"/>
+        </a:xfrm>
+      </p:grpSpPr>
+      <p:sp>
+        <p:nvSpPr>
+          <p:cNvPr id="2" name="1 Marcador de encabezado"/>
+          <p:cNvSpPr>
+            <a:spLocks noGrp="1"/>
+          </p:cNvSpPr>
+          <p:nvPr>
+            <p:ph type="hdr" sz="quarter"/>
+          </p:nvPr>
+        </p:nvSpPr>
+        <p:spPr>
+          <a:xfrm>
+            <a:off x="0" y="0"/>
+            <a:ext cx="2971800" cy="457200"/>
+          </a:xfrm>
+          <a:prstGeom prst="rect">
+            <a:avLst/>
+          </a:prstGeom>
+        </p:spPr>
+        <p:txBody>
+          <a:bodyPr vert="horz" lIns="91440" tIns="45720" rIns="91440" bIns="45720" rtlCol="0"/>
+          <a:lstStyle>
+            <a:lvl1pPr algn="l">
+              <a:defRPr sz="1200"/>
+            </a:lvl1pPr>
+          </a:lstStyle>
+          <a:p>
+            <a:endParaRPr lang="es-CL"/>
+          </a:p>
+        </p:txBody>
+      </p:sp>
+      <p:sp>
+        <p:nvSpPr>
+          <p:cNvPr id="3" name="2 Marcador de fecha"/>
+          <p:cNvSpPr>
+            <a:spLocks noGrp="1"/>
+          </p:cNvSpPr>
+          <p:nvPr>
+            <p:ph type="dt" idx="1"/>
+          </p:nvPr>
+        </p:nvSpPr>
+        <p:spPr>
+          <a:xfrm>
+            <a:off x="3884613" y="0"/>
+            <a:ext cx="2971800" cy="457200"/>
+          </a:xfrm>
+          <a:prstGeom prst="rect">
+            <a:avLst/>
+          </a:prstGeom>
+        </p:spPr>
+        <p:txBody>
+          <a:bodyPr vert="horz" lIns="91440" tIns="45720" rIns="91440" bIns="45720" rtlCol="0"/>
+          <a:lstStyle>
+            <a:lvl1pPr algn="r">
+              <a:defRPr sz="1200"/>
+            </a:lvl1pPr>
+          </a:lstStyle>
+          <a:p>
+            <a:fld id="{F1E1F05D-072F-40CF-B3EB-47726B614FA6}" type="datetimeFigureOut">
+              <a:rPr lang="es-CL" smtClean="0"/>
+              <a:t>11-10-2016</a:t>
+            </a:fld>
+            <a:endParaRPr lang="es-CL"/>
+          </a:p>
+        </p:txBody>
+      </p:sp>
+      <p:sp>
+        <p:nvSpPr>
+          <p:cNvPr id="4" name="3 Marcador de imagen de diapositiva"/>
+          <p:cNvSpPr>
+            <a:spLocks noGrp="1" noRot="1" noChangeAspect="1"/>
+          </p:cNvSpPr>
+          <p:nvPr>
+            <p:ph type="sldImg" idx="2"/>
+          </p:nvPr>
+        </p:nvSpPr>
+        <p:spPr>
+          <a:xfrm>
+            <a:off x="381000" y="685800"/>
+            <a:ext cx="6096000" cy="3429000"/>
+          </a:xfrm>
+          <a:prstGeom prst="rect">
+            <a:avLst/>
+          </a:prstGeom>
+          <a:noFill/>
+          <a:ln w="12700">
+            <a:solidFill>
+              <a:prstClr val="black"/>
+            </a:solidFill>
+          </a:ln>
+        </p:spPr>
+        <p:txBody>
+          <a:bodyPr vert="horz" lIns="91440" tIns="45720" rIns="91440" bIns="45720" rtlCol="0" anchor="ctr"/>
+          <a:lstStyle/>
+          <a:p>
+            <a:endParaRPr lang="es-CL"/>
+          </a:p>
+        </p:txBody>
+      </p:sp>
+      <p:sp>
+        <p:nvSpPr>
+          <p:cNvPr id="5" name="4 Marcador de notas"/>
+          <p:cNvSpPr>
+            <a:spLocks noGrp="1"/>
+          </p:cNvSpPr>
+          <p:nvPr>
+            <p:ph type="body" sz="quarter" idx="3"/>
+          </p:nvPr>
+        </p:nvSpPr>
+        <p:spPr>
+          <a:xfrm>
+            <a:off x="685800" y="4343400"/>
+            <a:ext cx="5486400" cy="4114800"/>
+          </a:xfrm>
+          <a:prstGeom prst="rect">
+            <a:avLst/>
+          </a:prstGeom>
+        </p:spPr>
+        <p:txBody>
+          <a:bodyPr vert="horz" lIns="91440" tIns="45720" rIns="91440" bIns="45720" rtlCol="0"/>
+          <a:lstStyle/>
+          <a:p>
+            <a:pPr lvl="0"/>
+            <a:r>
+              <a:rPr lang="es-ES" smtClean="0"/>
+              <a:t>Haga clic para modificar el estilo de texto del patrón</a:t>
+            </a:r>
+          </a:p>
+          <a:p>
+            <a:pPr lvl="1"/>
+            <a:r>
+              <a:rPr lang="es-ES" smtClean="0"/>
+              <a:t>Segundo nivel</a:t>
+            </a:r>
+          </a:p>
+          <a:p>
+            <a:pPr lvl="2"/>
+            <a:r>
+              <a:rPr lang="es-ES" smtClean="0"/>
+              <a:t>Tercer nivel</a:t>
+            </a:r>
+          </a:p>
+          <a:p>
+            <a:pPr lvl="3"/>
+            <a:r>
+              <a:rPr lang="es-ES" smtClean="0"/>
+              <a:t>Cuarto nivel</a:t>
+            </a:r>
+          </a:p>
+          <a:p>
+            <a:pPr lvl="4"/>
+            <a:r>
+              <a:rPr lang="es-ES" smtClean="0"/>
+              <a:t>Quinto nivel</a:t>
+            </a:r>
+            <a:endParaRPr lang="es-CL"/>
+          </a:p>
+        </p:txBody>
+      </p:sp>
+      <p:sp>
+        <p:nvSpPr>
+          <p:cNvPr id="6" name="5 Marcador de pie de página"/>
+          <p:cNvSpPr>
+            <a:spLocks noGrp="1"/>
+          </p:cNvSpPr>
+          <p:nvPr>
+            <p:ph type="ftr" sz="quarter" idx="4"/>
+          </p:nvPr>
+        </p:nvSpPr>
+        <p:spPr>
+          <a:xfrm>
+            <a:off x="0" y="8685213"/>
+            <a:ext cx="2971800" cy="457200"/>
+          </a:xfrm>
+          <a:prstGeom prst="rect">
+            <a:avLst/>
+          </a:prstGeom>
+        </p:spPr>
+        <p:txBody>
+          <a:bodyPr vert="horz" lIns="91440" tIns="45720" rIns="91440" bIns="45720" rtlCol="0" anchor="b"/>
+          <a:lstStyle>
+            <a:lvl1pPr algn="l">
+              <a:defRPr sz="1200"/>
+            </a:lvl1pPr>
+          </a:lstStyle>
+          <a:p>
+            <a:endParaRPr lang="es-CL"/>
+          </a:p>
+        </p:txBody>
+      </p:sp>
+      <p:sp>
+        <p:nvSpPr>
+          <p:cNvPr id="7" name="6 Marcador de número de diapositiva"/>
+          <p:cNvSpPr>
+            <a:spLocks noGrp="1"/>
+          </p:cNvSpPr>
+          <p:nvPr>
+            <p:ph type="sldNum" sz="quarter" idx="5"/>
+          </p:nvPr>
+        </p:nvSpPr>
+        <p:spPr>
+          <a:xfrm>
+            <a:off x="3884613" y="8685213"/>
+            <a:ext cx="2971800" cy="457200"/>
+          </a:xfrm>
+          <a:prstGeom prst="rect">
+            <a:avLst/>
+          </a:prstGeom>
+        </p:spPr>
+        <p:txBody>
+          <a:bodyPr vert="horz" lIns="91440" tIns="45720" rIns="91440" bIns="45720" rtlCol="0" anchor="b"/>
+          <a:lstStyle>
+            <a:lvl1pPr algn="r">
+              <a:defRPr sz="1200"/>
+            </a:lvl1pPr>
+          </a:lstStyle>
+          <a:p>
+            <a:fld id="{2622E442-F249-454B-86E2-C02634D1BCCB}" type="slidenum">
+              <a:rPr lang="es-CL" smtClean="0"/>
+              <a:t>‹Nº›</a:t>
+            </a:fld>
+            <a:endParaRPr lang="es-CL"/>
+          </a:p>
+        </p:txBody>
+      </p:sp>
+    </p:spTree>
+    <p:extLst>
+      <p:ext uri="{BB962C8B-B14F-4D97-AF65-F5344CB8AC3E}">
+        <p14:creationId xmlns:p14="http://schemas.microsoft.com/office/powerpoint/2010/main" val="2730614571"/>
+      </p:ext>
+    </p:extLst>
+  </p:cSld>
+  <p:clrMap bg1="lt1" tx1="dk1" bg2="lt2" tx2="dk2" accent1="accent1" accent2="accent2" accent3="accent3" accent4="accent4" accent5="accent5" accent6="accent6" hlink="hlink" folHlink="folHlink"/>
+  <p:notesStyle>
+    <a:lvl1pPr marL="0" algn="l" defTabSz="914400" rtl="0" eaLnBrk="1" latinLnBrk="0" hangingPunct="1">
+      <a:defRPr sz="1200" kern="1200">
+        <a:solidFill>
+          <a:schemeClr val="tx1"/>
+        </a:solidFill>
+        <a:latin typeface="+mn-lt"/>
+        <a:ea typeface="+mn-ea"/>
+        <a:cs typeface="+mn-cs"/>
+      </a:defRPr>
+    </a:lvl1pPr>
+    <a:lvl2pPr marL="457200" algn="l" defTabSz="914400" rtl="0" eaLnBrk="1" latinLnBrk="0" hangingPunct="1">
+      <a:defRPr sz="1200" kern="1200">
+        <a:solidFill>
+          <a:schemeClr val="tx1"/>
+        </a:solidFill>
+        <a:latin typeface="+mn-lt"/>
+        <a:ea typeface="+mn-ea"/>
+        <a:cs typeface="+mn-cs"/>
+      </a:defRPr>
+    </a:lvl2pPr>
+    <a:lvl3pPr marL="914400" algn="l" defTabSz="914400" rtl="0" eaLnBrk="1" latinLnBrk="0" hangingPunct="1">
+      <a:defRPr sz="1200" kern="1200">
+        <a:solidFill>
+          <a:schemeClr val="tx1"/>
+        </a:solidFill>
+        <a:latin typeface="+mn-lt"/>
+        <a:ea typeface="+mn-ea"/>
+        <a:cs typeface="+mn-cs"/>
+      </a:defRPr>
+    </a:lvl3pPr>
+    <a:lvl4pPr marL="1371600" algn="l" defTabSz="914400" rtl="0" eaLnBrk="1" latinLnBrk="0" hangingPunct="1">
+      <a:defRPr sz="1200" kern="1200">
+        <a:solidFill>
+          <a:schemeClr val="tx1"/>
+        </a:solidFill>
+        <a:latin typeface="+mn-lt"/>
+        <a:ea typeface="+mn-ea"/>
+        <a:cs typeface="+mn-cs"/>
+      </a:defRPr>
+    </a:lvl4pPr>
+    <a:lvl5pPr marL="1828800" algn="l" defTabSz="914400" rtl="0" eaLnBrk="1" latinLnBrk="0" hangingPunct="1">
+      <a:defRPr sz="1200" kern="1200">
+        <a:solidFill>
+          <a:schemeClr val="tx1"/>
+        </a:solidFill>
+        <a:latin typeface="+mn-lt"/>
+        <a:ea typeface="+mn-ea"/>
+        <a:cs typeface="+mn-cs"/>
+      </a:defRPr>
+    </a:lvl5pPr>
+    <a:lvl6pPr marL="2286000" algn="l" defTabSz="914400" rtl="0" eaLnBrk="1" latinLnBrk="0" hangingPunct="1">
+      <a:defRPr sz="1200" kern="1200">
+        <a:solidFill>
+          <a:schemeClr val="tx1"/>
+        </a:solidFill>
+        <a:latin typeface="+mn-lt"/>
+        <a:ea typeface="+mn-ea"/>
+        <a:cs typeface="+mn-cs"/>
+      </a:defRPr>
+    </a:lvl6pPr>
+    <a:lvl7pPr marL="2743200" algn="l" defTabSz="914400" rtl="0" eaLnBrk="1" latinLnBrk="0" hangingPunct="1">
+      <a:defRPr sz="1200" kern="1200">
+        <a:solidFill>
+          <a:schemeClr val="tx1"/>
+        </a:solidFill>
+        <a:latin typeface="+mn-lt"/>
+        <a:ea typeface="+mn-ea"/>
+        <a:cs typeface="+mn-cs"/>
+      </a:defRPr>
+    </a:lvl7pPr>
+    <a:lvl8pPr marL="3200400" algn="l" defTabSz="914400" rtl="0" eaLnBrk="1" latinLnBrk="0" hangingPunct="1">
+      <a:defRPr sz="1200" kern="1200">
+        <a:solidFill>
+          <a:schemeClr val="tx1"/>
+        </a:solidFill>
+        <a:latin typeface="+mn-lt"/>
+        <a:ea typeface="+mn-ea"/>
+        <a:cs typeface="+mn-cs"/>
+      </a:defRPr>
+    </a:lvl8pPr>
+    <a:lvl9pPr marL="3657600" algn="l" defTabSz="914400" rtl="0" eaLnBrk="1" latinLnBrk="0" hangingPunct="1">
+      <a:defRPr sz="1200" kern="1200">
+        <a:solidFill>
+          <a:schemeClr val="tx1"/>
+        </a:solidFill>
+        <a:latin typeface="+mn-lt"/>
+        <a:ea typeface="+mn-ea"/>
+        <a:cs typeface="+mn-cs"/>
+      </a:defRPr>
+    </a:lvl9pPr>
+  </p:notesStyle>
+</p:notesMaster>
+</file>
+
+<file path=ppt/notesSlides/notesSlide1.xml><?xml version="1.0" encoding="utf-8"?>
+<p:notes xmlns:a="http://schemas.openxmlformats.org/drawingml/2006/main" xmlns:r="http://schemas.openxmlformats.org/officeDocument/2006/relationships" xmlns:p="http://schemas.openxmlformats.org/presentationml/2006/main">
+  <p:cSld>
+    <p:spTree>
+      <p:nvGrpSpPr>
+        <p:cNvPr id="1" name=""/>
+        <p:cNvGrpSpPr/>
+        <p:nvPr/>
+      </p:nvGrpSpPr>
+      <p:grpSpPr>
+        <a:xfrm>
+          <a:off x="0" y="0"/>
+          <a:ext cx="0" cy="0"/>
+          <a:chOff x="0" y="0"/>
+          <a:chExt cx="0" cy="0"/>
+        </a:xfrm>
+      </p:grpSpPr>
+      <p:sp>
+        <p:nvSpPr>
+          <p:cNvPr id="2" name="1 Marcador de imagen de diapositiva"/>
+          <p:cNvSpPr>
+            <a:spLocks noGrp="1" noRot="1" noChangeAspect="1"/>
+          </p:cNvSpPr>
+          <p:nvPr>
+            <p:ph type="sldImg"/>
+          </p:nvPr>
+        </p:nvSpPr>
+        <p:spPr/>
+      </p:sp>
+      <p:sp>
+        <p:nvSpPr>
+          <p:cNvPr id="3" name="2 Marcador de notas"/>
+          <p:cNvSpPr>
+            <a:spLocks noGrp="1"/>
+          </p:cNvSpPr>
+          <p:nvPr>
+            <p:ph type="body" idx="1"/>
+          </p:nvPr>
+        </p:nvSpPr>
+        <p:spPr/>
+        <p:txBody>
+          <a:bodyPr/>
+          <a:lstStyle/>
+          <a:p>
+            <a:endParaRPr lang="es-CL" dirty="0"/>
+          </a:p>
+        </p:txBody>
+      </p:sp>
+      <p:sp>
+        <p:nvSpPr>
+          <p:cNvPr id="4" name="3 Marcador de número de diapositiva"/>
+          <p:cNvSpPr>
+            <a:spLocks noGrp="1"/>
+          </p:cNvSpPr>
+          <p:nvPr>
+            <p:ph type="sldNum" sz="quarter" idx="10"/>
+          </p:nvPr>
+        </p:nvSpPr>
+        <p:spPr/>
+        <p:txBody>
+          <a:bodyPr/>
+          <a:lstStyle/>
+          <a:p>
+            <a:fld id="{2622E442-F249-454B-86E2-C02634D1BCCB}" type="slidenum">
+              <a:rPr lang="es-CL" smtClean="0"/>
+              <a:t>6</a:t>
+            </a:fld>
+            <a:endParaRPr lang="es-CL"/>
+          </a:p>
+        </p:txBody>
+      </p:sp>
+    </p:spTree>
+    <p:extLst>
+      <p:ext uri="{BB962C8B-B14F-4D97-AF65-F5344CB8AC3E}">
+        <p14:creationId xmlns:p14="http://schemas.microsoft.com/office/powerpoint/2010/main" val="2818190092"/>
+      </p:ext>
+    </p:extLst>
+  </p:cSld>
+  <p:clrMapOvr>
+    <a:masterClrMapping/>
+  </p:clrMapOvr>
+</p:notes>
 </file>
 
 <file path=ppt/slideLayouts/slideLayout1.xml><?xml version="1.0" encoding="utf-8"?>
@@ -172,8 +611,8 @@
           </a:prstGeom>
           <a:noFill/>
           <a:extLst>
-            <a:ext uri="{909E8E84-426E-40dd-AFC4-6F175D3DCCD1}">
-              <a14:hiddenFill xmlns:a14="http://schemas.microsoft.com/office/drawing/2010/main" xmlns="">
+            <a:ext uri="{909E8E84-426E-40DD-AFC4-6F175D3DCCD1}">
+              <a14:hiddenFill xmlns:a14="http://schemas.microsoft.com/office/drawing/2010/main">
                 <a:solidFill>
                   <a:srgbClr val="FFFFFF"/>
                 </a:solidFill>
@@ -231,8 +670,8 @@
               <a:noFill/>
             </a:ln>
             <a:extLst>
-              <a:ext uri="{91240B29-F687-4f45-9708-019B960494DF}">
-                <a14:hiddenLine xmlns:a14="http://schemas.microsoft.com/office/drawing/2010/main" xmlns="" w="9525">
+              <a:ext uri="{91240B29-F687-4F45-9708-019B960494DF}">
+                <a14:hiddenLine xmlns:a14="http://schemas.microsoft.com/office/drawing/2010/main" w="9525">
                   <a:solidFill>
                     <a:srgbClr val="000000"/>
                   </a:solidFill>
@@ -321,8 +760,8 @@
               <a:noFill/>
             </a:ln>
             <a:extLst>
-              <a:ext uri="{91240B29-F687-4f45-9708-019B960494DF}">
-                <a14:hiddenLine xmlns:a14="http://schemas.microsoft.com/office/drawing/2010/main" xmlns="" w="9525">
+              <a:ext uri="{91240B29-F687-4F45-9708-019B960494DF}">
+                <a14:hiddenLine xmlns:a14="http://schemas.microsoft.com/office/drawing/2010/main" w="9525">
                   <a:solidFill>
                     <a:srgbClr val="000000"/>
                   </a:solidFill>
@@ -411,8 +850,8 @@
               <a:noFill/>
             </a:ln>
             <a:extLst>
-              <a:ext uri="{91240B29-F687-4f45-9708-019B960494DF}">
-                <a14:hiddenLine xmlns:a14="http://schemas.microsoft.com/office/drawing/2010/main" xmlns="" w="9525">
+              <a:ext uri="{91240B29-F687-4F45-9708-019B960494DF}">
+                <a14:hiddenLine xmlns:a14="http://schemas.microsoft.com/office/drawing/2010/main" w="9525">
                   <a:solidFill>
                     <a:srgbClr val="000000"/>
                   </a:solidFill>
@@ -445,8 +884,8 @@
               <a:noFill/>
             </a:ln>
             <a:extLst>
-              <a:ext uri="{91240B29-F687-4f45-9708-019B960494DF}">
-                <a14:hiddenLine xmlns:a14="http://schemas.microsoft.com/office/drawing/2010/main" xmlns="" w="9525">
+              <a:ext uri="{91240B29-F687-4F45-9708-019B960494DF}">
+                <a14:hiddenLine xmlns:a14="http://schemas.microsoft.com/office/drawing/2010/main" w="9525">
                   <a:solidFill>
                     <a:srgbClr val="000000"/>
                   </a:solidFill>
@@ -535,8 +974,8 @@
               <a:noFill/>
             </a:ln>
             <a:extLst>
-              <a:ext uri="{91240B29-F687-4f45-9708-019B960494DF}">
-                <a14:hiddenLine xmlns:a14="http://schemas.microsoft.com/office/drawing/2010/main" xmlns="" w="9525">
+              <a:ext uri="{91240B29-F687-4F45-9708-019B960494DF}">
+                <a14:hiddenLine xmlns:a14="http://schemas.microsoft.com/office/drawing/2010/main" w="9525">
                   <a:solidFill>
                     <a:srgbClr val="000000"/>
                   </a:solidFill>
@@ -597,8 +1036,8 @@
               <a:noFill/>
             </a:ln>
             <a:extLst>
-              <a:ext uri="{91240B29-F687-4f45-9708-019B960494DF}">
-                <a14:hiddenLine xmlns:a14="http://schemas.microsoft.com/office/drawing/2010/main" xmlns="" w="9525">
+              <a:ext uri="{91240B29-F687-4F45-9708-019B960494DF}">
+                <a14:hiddenLine xmlns:a14="http://schemas.microsoft.com/office/drawing/2010/main" w="9525">
                   <a:solidFill>
                     <a:srgbClr val="000000"/>
                   </a:solidFill>
@@ -659,8 +1098,8 @@
               <a:noFill/>
             </a:ln>
             <a:extLst>
-              <a:ext uri="{91240B29-F687-4f45-9708-019B960494DF}">
-                <a14:hiddenLine xmlns:a14="http://schemas.microsoft.com/office/drawing/2010/main" xmlns="" w="9525">
+              <a:ext uri="{91240B29-F687-4F45-9708-019B960494DF}">
+                <a14:hiddenLine xmlns:a14="http://schemas.microsoft.com/office/drawing/2010/main" w="9525">
                   <a:solidFill>
                     <a:srgbClr val="000000"/>
                   </a:solidFill>
@@ -749,8 +1188,8 @@
               <a:noFill/>
             </a:ln>
             <a:extLst>
-              <a:ext uri="{91240B29-F687-4f45-9708-019B960494DF}">
-                <a14:hiddenLine xmlns:a14="http://schemas.microsoft.com/office/drawing/2010/main" xmlns="" w="9525">
+              <a:ext uri="{91240B29-F687-4F45-9708-019B960494DF}">
+                <a14:hiddenLine xmlns:a14="http://schemas.microsoft.com/office/drawing/2010/main" w="9525">
                   <a:solidFill>
                     <a:srgbClr val="000000"/>
                   </a:solidFill>
@@ -811,8 +1250,8 @@
               <a:noFill/>
             </a:ln>
             <a:extLst>
-              <a:ext uri="{91240B29-F687-4f45-9708-019B960494DF}">
-                <a14:hiddenLine xmlns:a14="http://schemas.microsoft.com/office/drawing/2010/main" xmlns="" w="9525">
+              <a:ext uri="{91240B29-F687-4F45-9708-019B960494DF}">
+                <a14:hiddenLine xmlns:a14="http://schemas.microsoft.com/office/drawing/2010/main" w="9525">
                   <a:solidFill>
                     <a:srgbClr val="000000"/>
                   </a:solidFill>
@@ -873,8 +1312,8 @@
               <a:noFill/>
             </a:ln>
             <a:extLst>
-              <a:ext uri="{91240B29-F687-4f45-9708-019B960494DF}">
-                <a14:hiddenLine xmlns:a14="http://schemas.microsoft.com/office/drawing/2010/main" xmlns="" w="9525">
+              <a:ext uri="{91240B29-F687-4F45-9708-019B960494DF}">
+                <a14:hiddenLine xmlns:a14="http://schemas.microsoft.com/office/drawing/2010/main" w="9525">
                   <a:solidFill>
                     <a:srgbClr val="000000"/>
                   </a:solidFill>
@@ -963,8 +1402,8 @@
               <a:noFill/>
             </a:ln>
             <a:extLst>
-              <a:ext uri="{91240B29-F687-4f45-9708-019B960494DF}">
-                <a14:hiddenLine xmlns:a14="http://schemas.microsoft.com/office/drawing/2010/main" xmlns="" w="9525">
+              <a:ext uri="{91240B29-F687-4F45-9708-019B960494DF}">
+                <a14:hiddenLine xmlns:a14="http://schemas.microsoft.com/office/drawing/2010/main" w="9525">
                   <a:solidFill>
                     <a:srgbClr val="000000"/>
                   </a:solidFill>
@@ -1053,8 +1492,8 @@
               <a:noFill/>
             </a:ln>
             <a:extLst>
-              <a:ext uri="{91240B29-F687-4f45-9708-019B960494DF}">
-                <a14:hiddenLine xmlns:a14="http://schemas.microsoft.com/office/drawing/2010/main" xmlns="" w="9525">
+              <a:ext uri="{91240B29-F687-4F45-9708-019B960494DF}">
+                <a14:hiddenLine xmlns:a14="http://schemas.microsoft.com/office/drawing/2010/main" w="9525">
                   <a:solidFill>
                     <a:srgbClr val="000000"/>
                   </a:solidFill>
@@ -1115,8 +1554,8 @@
               <a:noFill/>
             </a:ln>
             <a:extLst>
-              <a:ext uri="{91240B29-F687-4f45-9708-019B960494DF}">
-                <a14:hiddenLine xmlns:a14="http://schemas.microsoft.com/office/drawing/2010/main" xmlns="" w="9525">
+              <a:ext uri="{91240B29-F687-4F45-9708-019B960494DF}">
+                <a14:hiddenLine xmlns:a14="http://schemas.microsoft.com/office/drawing/2010/main" w="9525">
                   <a:solidFill>
                     <a:srgbClr val="000000"/>
                   </a:solidFill>
@@ -1225,8 +1664,8 @@
               <a:noFill/>
             </a:ln>
             <a:extLst>
-              <a:ext uri="{91240B29-F687-4f45-9708-019B960494DF}">
-                <a14:hiddenLine xmlns:a14="http://schemas.microsoft.com/office/drawing/2010/main" xmlns="" w="9525">
+              <a:ext uri="{91240B29-F687-4F45-9708-019B960494DF}">
+                <a14:hiddenLine xmlns:a14="http://schemas.microsoft.com/office/drawing/2010/main" w="9525">
                   <a:solidFill>
                     <a:srgbClr val="000000"/>
                   </a:solidFill>
@@ -1287,8 +1726,8 @@
               <a:noFill/>
             </a:ln>
             <a:extLst>
-              <a:ext uri="{91240B29-F687-4f45-9708-019B960494DF}">
-                <a14:hiddenLine xmlns:a14="http://schemas.microsoft.com/office/drawing/2010/main" xmlns="" w="9525">
+              <a:ext uri="{91240B29-F687-4F45-9708-019B960494DF}">
+                <a14:hiddenLine xmlns:a14="http://schemas.microsoft.com/office/drawing/2010/main" w="9525">
                   <a:solidFill>
                     <a:srgbClr val="000000"/>
                   </a:solidFill>
@@ -1377,8 +1816,8 @@
               <a:noFill/>
             </a:ln>
             <a:extLst>
-              <a:ext uri="{91240B29-F687-4f45-9708-019B960494DF}">
-                <a14:hiddenLine xmlns:a14="http://schemas.microsoft.com/office/drawing/2010/main" xmlns="" w="9525">
+              <a:ext uri="{91240B29-F687-4F45-9708-019B960494DF}">
+                <a14:hiddenLine xmlns:a14="http://schemas.microsoft.com/office/drawing/2010/main" w="9525">
                   <a:solidFill>
                     <a:srgbClr val="000000"/>
                   </a:solidFill>
@@ -1467,8 +1906,8 @@
               <a:noFill/>
             </a:ln>
             <a:extLst>
-              <a:ext uri="{91240B29-F687-4f45-9708-019B960494DF}">
-                <a14:hiddenLine xmlns:a14="http://schemas.microsoft.com/office/drawing/2010/main" xmlns="" w="9525">
+              <a:ext uri="{91240B29-F687-4F45-9708-019B960494DF}">
+                <a14:hiddenLine xmlns:a14="http://schemas.microsoft.com/office/drawing/2010/main" w="9525">
                   <a:solidFill>
                     <a:srgbClr val="000000"/>
                   </a:solidFill>
@@ -1529,8 +1968,8 @@
               <a:noFill/>
             </a:ln>
             <a:extLst>
-              <a:ext uri="{91240B29-F687-4f45-9708-019B960494DF}">
-                <a14:hiddenLine xmlns:a14="http://schemas.microsoft.com/office/drawing/2010/main" xmlns="" w="9525">
+              <a:ext uri="{91240B29-F687-4F45-9708-019B960494DF}">
+                <a14:hiddenLine xmlns:a14="http://schemas.microsoft.com/office/drawing/2010/main" w="9525">
                   <a:solidFill>
                     <a:srgbClr val="000000"/>
                   </a:solidFill>
@@ -1619,8 +2058,8 @@
               <a:noFill/>
             </a:ln>
             <a:extLst>
-              <a:ext uri="{91240B29-F687-4f45-9708-019B960494DF}">
-                <a14:hiddenLine xmlns:a14="http://schemas.microsoft.com/office/drawing/2010/main" xmlns="" w="9525">
+              <a:ext uri="{91240B29-F687-4F45-9708-019B960494DF}">
+                <a14:hiddenLine xmlns:a14="http://schemas.microsoft.com/office/drawing/2010/main" w="9525">
                   <a:solidFill>
                     <a:srgbClr val="000000"/>
                   </a:solidFill>
@@ -1709,8 +2148,8 @@
               <a:noFill/>
             </a:ln>
             <a:extLst>
-              <a:ext uri="{91240B29-F687-4f45-9708-019B960494DF}">
-                <a14:hiddenLine xmlns:a14="http://schemas.microsoft.com/office/drawing/2010/main" xmlns="" w="9525">
+              <a:ext uri="{91240B29-F687-4F45-9708-019B960494DF}">
+                <a14:hiddenLine xmlns:a14="http://schemas.microsoft.com/office/drawing/2010/main" w="9525">
                   <a:solidFill>
                     <a:srgbClr val="000000"/>
                   </a:solidFill>
@@ -1765,8 +2204,8 @@
               <a:noFill/>
             </a:ln>
             <a:extLst>
-              <a:ext uri="{91240B29-F687-4f45-9708-019B960494DF}">
-                <a14:hiddenLine xmlns:a14="http://schemas.microsoft.com/office/drawing/2010/main" xmlns="" w="9525">
+              <a:ext uri="{91240B29-F687-4F45-9708-019B960494DF}">
+                <a14:hiddenLine xmlns:a14="http://schemas.microsoft.com/office/drawing/2010/main" w="9525">
                   <a:solidFill>
                     <a:srgbClr val="000000"/>
                   </a:solidFill>
@@ -1855,8 +2294,8 @@
               <a:noFill/>
             </a:ln>
             <a:extLst>
-              <a:ext uri="{91240B29-F687-4f45-9708-019B960494DF}">
-                <a14:hiddenLine xmlns:a14="http://schemas.microsoft.com/office/drawing/2010/main" xmlns="" w="9525">
+              <a:ext uri="{91240B29-F687-4F45-9708-019B960494DF}">
+                <a14:hiddenLine xmlns:a14="http://schemas.microsoft.com/office/drawing/2010/main" w="9525">
                   <a:solidFill>
                     <a:srgbClr val="000000"/>
                   </a:solidFill>
@@ -1911,8 +2350,8 @@
               <a:noFill/>
             </a:ln>
             <a:extLst>
-              <a:ext uri="{91240B29-F687-4f45-9708-019B960494DF}">
-                <a14:hiddenLine xmlns:a14="http://schemas.microsoft.com/office/drawing/2010/main" xmlns="" w="9525">
+              <a:ext uri="{91240B29-F687-4F45-9708-019B960494DF}">
+                <a14:hiddenLine xmlns:a14="http://schemas.microsoft.com/office/drawing/2010/main" w="9525">
                   <a:solidFill>
                     <a:srgbClr val="000000"/>
                   </a:solidFill>
@@ -2001,8 +2440,8 @@
               <a:noFill/>
             </a:ln>
             <a:extLst>
-              <a:ext uri="{91240B29-F687-4f45-9708-019B960494DF}">
-                <a14:hiddenLine xmlns:a14="http://schemas.microsoft.com/office/drawing/2010/main" xmlns="" w="9525">
+              <a:ext uri="{91240B29-F687-4F45-9708-019B960494DF}">
+                <a14:hiddenLine xmlns:a14="http://schemas.microsoft.com/office/drawing/2010/main" w="9525">
                   <a:solidFill>
                     <a:srgbClr val="000000"/>
                   </a:solidFill>
@@ -2069,8 +2508,8 @@
               <a:noFill/>
             </a:ln>
             <a:extLst>
-              <a:ext uri="{91240B29-F687-4f45-9708-019B960494DF}">
-                <a14:hiddenLine xmlns:a14="http://schemas.microsoft.com/office/drawing/2010/main" xmlns="" w="9525">
+              <a:ext uri="{91240B29-F687-4F45-9708-019B960494DF}">
+                <a14:hiddenLine xmlns:a14="http://schemas.microsoft.com/office/drawing/2010/main" w="9525">
                   <a:solidFill>
                     <a:srgbClr val="000000"/>
                   </a:solidFill>
@@ -2159,8 +2598,8 @@
               <a:noFill/>
             </a:ln>
             <a:extLst>
-              <a:ext uri="{91240B29-F687-4f45-9708-019B960494DF}">
-                <a14:hiddenLine xmlns:a14="http://schemas.microsoft.com/office/drawing/2010/main" xmlns="" w="9525">
+              <a:ext uri="{91240B29-F687-4F45-9708-019B960494DF}">
+                <a14:hiddenLine xmlns:a14="http://schemas.microsoft.com/office/drawing/2010/main" w="9525">
                   <a:solidFill>
                     <a:srgbClr val="000000"/>
                   </a:solidFill>
@@ -2227,8 +2666,8 @@
               <a:noFill/>
             </a:ln>
             <a:extLst>
-              <a:ext uri="{91240B29-F687-4f45-9708-019B960494DF}">
-                <a14:hiddenLine xmlns:a14="http://schemas.microsoft.com/office/drawing/2010/main" xmlns="" w="9525">
+              <a:ext uri="{91240B29-F687-4F45-9708-019B960494DF}">
+                <a14:hiddenLine xmlns:a14="http://schemas.microsoft.com/office/drawing/2010/main" w="9525">
                   <a:solidFill>
                     <a:srgbClr val="000000"/>
                   </a:solidFill>
@@ -2317,8 +2756,8 @@
               <a:noFill/>
             </a:ln>
             <a:extLst>
-              <a:ext uri="{91240B29-F687-4f45-9708-019B960494DF}">
-                <a14:hiddenLine xmlns:a14="http://schemas.microsoft.com/office/drawing/2010/main" xmlns="" w="9525">
+              <a:ext uri="{91240B29-F687-4F45-9708-019B960494DF}">
+                <a14:hiddenLine xmlns:a14="http://schemas.microsoft.com/office/drawing/2010/main" w="9525">
                   <a:solidFill>
                     <a:srgbClr val="000000"/>
                   </a:solidFill>
@@ -2351,8 +2790,8 @@
               <a:noFill/>
             </a:ln>
             <a:extLst>
-              <a:ext uri="{91240B29-F687-4f45-9708-019B960494DF}">
-                <a14:hiddenLine xmlns:a14="http://schemas.microsoft.com/office/drawing/2010/main" xmlns="" w="9525">
+              <a:ext uri="{91240B29-F687-4F45-9708-019B960494DF}">
+                <a14:hiddenLine xmlns:a14="http://schemas.microsoft.com/office/drawing/2010/main" w="9525">
                   <a:solidFill>
                     <a:srgbClr val="000000"/>
                   </a:solidFill>
@@ -2441,8 +2880,8 @@
               <a:noFill/>
             </a:ln>
             <a:extLst>
-              <a:ext uri="{91240B29-F687-4f45-9708-019B960494DF}">
-                <a14:hiddenLine xmlns:a14="http://schemas.microsoft.com/office/drawing/2010/main" xmlns="" w="9525">
+              <a:ext uri="{91240B29-F687-4F45-9708-019B960494DF}">
+                <a14:hiddenLine xmlns:a14="http://schemas.microsoft.com/office/drawing/2010/main" w="9525">
                   <a:solidFill>
                     <a:srgbClr val="000000"/>
                   </a:solidFill>
@@ -2503,8 +2942,8 @@
               <a:noFill/>
             </a:ln>
             <a:extLst>
-              <a:ext uri="{91240B29-F687-4f45-9708-019B960494DF}">
-                <a14:hiddenLine xmlns:a14="http://schemas.microsoft.com/office/drawing/2010/main" xmlns="" w="9525">
+              <a:ext uri="{91240B29-F687-4F45-9708-019B960494DF}">
+                <a14:hiddenLine xmlns:a14="http://schemas.microsoft.com/office/drawing/2010/main" w="9525">
                   <a:solidFill>
                     <a:srgbClr val="000000"/>
                   </a:solidFill>
@@ -2565,8 +3004,8 @@
               <a:noFill/>
             </a:ln>
             <a:extLst>
-              <a:ext uri="{91240B29-F687-4f45-9708-019B960494DF}">
-                <a14:hiddenLine xmlns:a14="http://schemas.microsoft.com/office/drawing/2010/main" xmlns="" w="9525">
+              <a:ext uri="{91240B29-F687-4F45-9708-019B960494DF}">
+                <a14:hiddenLine xmlns:a14="http://schemas.microsoft.com/office/drawing/2010/main" w="9525">
                   <a:solidFill>
                     <a:srgbClr val="000000"/>
                   </a:solidFill>
@@ -2655,8 +3094,8 @@
               <a:noFill/>
             </a:ln>
             <a:extLst>
-              <a:ext uri="{91240B29-F687-4f45-9708-019B960494DF}">
-                <a14:hiddenLine xmlns:a14="http://schemas.microsoft.com/office/drawing/2010/main" xmlns="" w="9525">
+              <a:ext uri="{91240B29-F687-4F45-9708-019B960494DF}">
+                <a14:hiddenLine xmlns:a14="http://schemas.microsoft.com/office/drawing/2010/main" w="9525">
                   <a:solidFill>
                     <a:srgbClr val="000000"/>
                   </a:solidFill>
@@ -2723,8 +3162,8 @@
               <a:noFill/>
             </a:ln>
             <a:extLst>
-              <a:ext uri="{91240B29-F687-4f45-9708-019B960494DF}">
-                <a14:hiddenLine xmlns:a14="http://schemas.microsoft.com/office/drawing/2010/main" xmlns="" w="9525">
+              <a:ext uri="{91240B29-F687-4F45-9708-019B960494DF}">
+                <a14:hiddenLine xmlns:a14="http://schemas.microsoft.com/office/drawing/2010/main" w="9525">
                   <a:solidFill>
                     <a:srgbClr val="000000"/>
                   </a:solidFill>
@@ -2785,8 +3224,8 @@
               <a:noFill/>
             </a:ln>
             <a:extLst>
-              <a:ext uri="{91240B29-F687-4f45-9708-019B960494DF}">
-                <a14:hiddenLine xmlns:a14="http://schemas.microsoft.com/office/drawing/2010/main" xmlns="" w="9525">
+              <a:ext uri="{91240B29-F687-4F45-9708-019B960494DF}">
+                <a14:hiddenLine xmlns:a14="http://schemas.microsoft.com/office/drawing/2010/main" w="9525">
                   <a:solidFill>
                     <a:srgbClr val="000000"/>
                   </a:solidFill>
@@ -2875,8 +3314,8 @@
               <a:noFill/>
             </a:ln>
             <a:extLst>
-              <a:ext uri="{91240B29-F687-4f45-9708-019B960494DF}">
-                <a14:hiddenLine xmlns:a14="http://schemas.microsoft.com/office/drawing/2010/main" xmlns="" w="9525">
+              <a:ext uri="{91240B29-F687-4F45-9708-019B960494DF}">
+                <a14:hiddenLine xmlns:a14="http://schemas.microsoft.com/office/drawing/2010/main" w="9525">
                   <a:solidFill>
                     <a:srgbClr val="000000"/>
                   </a:solidFill>
@@ -2937,8 +3376,8 @@
               <a:noFill/>
             </a:ln>
             <a:extLst>
-              <a:ext uri="{91240B29-F687-4f45-9708-019B960494DF}">
-                <a14:hiddenLine xmlns:a14="http://schemas.microsoft.com/office/drawing/2010/main" xmlns="" w="9525">
+              <a:ext uri="{91240B29-F687-4F45-9708-019B960494DF}">
+                <a14:hiddenLine xmlns:a14="http://schemas.microsoft.com/office/drawing/2010/main" w="9525">
                   <a:solidFill>
                     <a:srgbClr val="000000"/>
                   </a:solidFill>
@@ -3027,8 +3466,8 @@
               <a:noFill/>
             </a:ln>
             <a:extLst>
-              <a:ext uri="{91240B29-F687-4f45-9708-019B960494DF}">
-                <a14:hiddenLine xmlns:a14="http://schemas.microsoft.com/office/drawing/2010/main" xmlns="" w="9525">
+              <a:ext uri="{91240B29-F687-4F45-9708-019B960494DF}">
+                <a14:hiddenLine xmlns:a14="http://schemas.microsoft.com/office/drawing/2010/main" w="9525">
                   <a:solidFill>
                     <a:srgbClr val="000000"/>
                   </a:solidFill>
@@ -3089,8 +3528,8 @@
               <a:noFill/>
             </a:ln>
             <a:extLst>
-              <a:ext uri="{91240B29-F687-4f45-9708-019B960494DF}">
-                <a14:hiddenLine xmlns:a14="http://schemas.microsoft.com/office/drawing/2010/main" xmlns="" w="9525">
+              <a:ext uri="{91240B29-F687-4F45-9708-019B960494DF}">
+                <a14:hiddenLine xmlns:a14="http://schemas.microsoft.com/office/drawing/2010/main" w="9525">
                   <a:solidFill>
                     <a:srgbClr val="000000"/>
                   </a:solidFill>
@@ -3179,8 +3618,8 @@
               <a:noFill/>
             </a:ln>
             <a:extLst>
-              <a:ext uri="{91240B29-F687-4f45-9708-019B960494DF}">
-                <a14:hiddenLine xmlns:a14="http://schemas.microsoft.com/office/drawing/2010/main" xmlns="" w="9525">
+              <a:ext uri="{91240B29-F687-4F45-9708-019B960494DF}">
+                <a14:hiddenLine xmlns:a14="http://schemas.microsoft.com/office/drawing/2010/main" w="9525">
                   <a:solidFill>
                     <a:srgbClr val="000000"/>
                   </a:solidFill>
@@ -3213,8 +3652,8 @@
               <a:noFill/>
             </a:ln>
             <a:extLst>
-              <a:ext uri="{91240B29-F687-4f45-9708-019B960494DF}">
-                <a14:hiddenLine xmlns:a14="http://schemas.microsoft.com/office/drawing/2010/main" xmlns="" w="9525">
+              <a:ext uri="{91240B29-F687-4F45-9708-019B960494DF}">
+                <a14:hiddenLine xmlns:a14="http://schemas.microsoft.com/office/drawing/2010/main" w="9525">
                   <a:solidFill>
                     <a:srgbClr val="000000"/>
                   </a:solidFill>
@@ -3278,8 +3717,8 @@
               <a:noFill/>
             </a:ln>
             <a:extLst>
-              <a:ext uri="{91240B29-F687-4f45-9708-019B960494DF}">
-                <a14:hiddenLine xmlns:a14="http://schemas.microsoft.com/office/drawing/2010/main" xmlns="" w="9525">
+              <a:ext uri="{91240B29-F687-4F45-9708-019B960494DF}">
+                <a14:hiddenLine xmlns:a14="http://schemas.microsoft.com/office/drawing/2010/main" w="9525">
                   <a:solidFill>
                     <a:srgbClr val="000000"/>
                   </a:solidFill>
@@ -3368,8 +3807,8 @@
               <a:noFill/>
             </a:ln>
             <a:extLst>
-              <a:ext uri="{91240B29-F687-4f45-9708-019B960494DF}">
-                <a14:hiddenLine xmlns:a14="http://schemas.microsoft.com/office/drawing/2010/main" xmlns="" w="9525">
+              <a:ext uri="{91240B29-F687-4F45-9708-019B960494DF}">
+                <a14:hiddenLine xmlns:a14="http://schemas.microsoft.com/office/drawing/2010/main" w="9525">
                   <a:solidFill>
                     <a:srgbClr val="000000"/>
                   </a:solidFill>
@@ -3430,8 +3869,8 @@
               <a:noFill/>
             </a:ln>
             <a:extLst>
-              <a:ext uri="{91240B29-F687-4f45-9708-019B960494DF}">
-                <a14:hiddenLine xmlns:a14="http://schemas.microsoft.com/office/drawing/2010/main" xmlns="" w="9525">
+              <a:ext uri="{91240B29-F687-4F45-9708-019B960494DF}">
+                <a14:hiddenLine xmlns:a14="http://schemas.microsoft.com/office/drawing/2010/main" w="9525">
                   <a:solidFill>
                     <a:srgbClr val="000000"/>
                   </a:solidFill>
@@ -3520,8 +3959,8 @@
               <a:noFill/>
             </a:ln>
             <a:extLst>
-              <a:ext uri="{91240B29-F687-4f45-9708-019B960494DF}">
-                <a14:hiddenLine xmlns:a14="http://schemas.microsoft.com/office/drawing/2010/main" xmlns="" w="9525">
+              <a:ext uri="{91240B29-F687-4F45-9708-019B960494DF}">
+                <a14:hiddenLine xmlns:a14="http://schemas.microsoft.com/office/drawing/2010/main" w="9525">
                   <a:solidFill>
                     <a:srgbClr val="000000"/>
                   </a:solidFill>
@@ -3610,8 +4049,8 @@
               <a:noFill/>
             </a:ln>
             <a:extLst>
-              <a:ext uri="{91240B29-F687-4f45-9708-019B960494DF}">
-                <a14:hiddenLine xmlns:a14="http://schemas.microsoft.com/office/drawing/2010/main" xmlns="" w="9525">
+              <a:ext uri="{91240B29-F687-4F45-9708-019B960494DF}">
+                <a14:hiddenLine xmlns:a14="http://schemas.microsoft.com/office/drawing/2010/main" w="9525">
                   <a:solidFill>
                     <a:srgbClr val="000000"/>
                   </a:solidFill>
@@ -3675,8 +4114,8 @@
               <a:noFill/>
             </a:ln>
             <a:extLst>
-              <a:ext uri="{91240B29-F687-4f45-9708-019B960494DF}">
-                <a14:hiddenLine xmlns:a14="http://schemas.microsoft.com/office/drawing/2010/main" xmlns="" w="9525">
+              <a:ext uri="{91240B29-F687-4F45-9708-019B960494DF}">
+                <a14:hiddenLine xmlns:a14="http://schemas.microsoft.com/office/drawing/2010/main" w="9525">
                   <a:solidFill>
                     <a:srgbClr val="000000"/>
                   </a:solidFill>
@@ -3737,8 +4176,8 @@
               <a:noFill/>
             </a:ln>
             <a:extLst>
-              <a:ext uri="{91240B29-F687-4f45-9708-019B960494DF}">
-                <a14:hiddenLine xmlns:a14="http://schemas.microsoft.com/office/drawing/2010/main" xmlns="" w="9525">
+              <a:ext uri="{91240B29-F687-4F45-9708-019B960494DF}">
+                <a14:hiddenLine xmlns:a14="http://schemas.microsoft.com/office/drawing/2010/main" w="9525">
                   <a:solidFill>
                     <a:srgbClr val="000000"/>
                   </a:solidFill>
@@ -3827,8 +4266,8 @@
               <a:noFill/>
             </a:ln>
             <a:extLst>
-              <a:ext uri="{91240B29-F687-4f45-9708-019B960494DF}">
-                <a14:hiddenLine xmlns:a14="http://schemas.microsoft.com/office/drawing/2010/main" xmlns="" w="9525">
+              <a:ext uri="{91240B29-F687-4F45-9708-019B960494DF}">
+                <a14:hiddenLine xmlns:a14="http://schemas.microsoft.com/office/drawing/2010/main" w="9525">
                   <a:solidFill>
                     <a:srgbClr val="000000"/>
                   </a:solidFill>
@@ -3917,8 +4356,8 @@
               <a:noFill/>
             </a:ln>
             <a:extLst>
-              <a:ext uri="{91240B29-F687-4f45-9708-019B960494DF}">
-                <a14:hiddenLine xmlns:a14="http://schemas.microsoft.com/office/drawing/2010/main" xmlns="" w="9525">
+              <a:ext uri="{91240B29-F687-4F45-9708-019B960494DF}">
+                <a14:hiddenLine xmlns:a14="http://schemas.microsoft.com/office/drawing/2010/main" w="9525">
                   <a:solidFill>
                     <a:srgbClr val="000000"/>
                   </a:solidFill>
@@ -3979,8 +4418,8 @@
               <a:noFill/>
             </a:ln>
             <a:extLst>
-              <a:ext uri="{91240B29-F687-4f45-9708-019B960494DF}">
-                <a14:hiddenLine xmlns:a14="http://schemas.microsoft.com/office/drawing/2010/main" xmlns="" w="9525">
+              <a:ext uri="{91240B29-F687-4F45-9708-019B960494DF}">
+                <a14:hiddenLine xmlns:a14="http://schemas.microsoft.com/office/drawing/2010/main" w="9525">
                   <a:solidFill>
                     <a:srgbClr val="000000"/>
                   </a:solidFill>
@@ -4099,8 +4538,8 @@
               <a:noFill/>
             </a:ln>
             <a:extLst>
-              <a:ext uri="{91240B29-F687-4f45-9708-019B960494DF}">
-                <a14:hiddenLine xmlns:a14="http://schemas.microsoft.com/office/drawing/2010/main" xmlns="" w="9525">
+              <a:ext uri="{91240B29-F687-4F45-9708-019B960494DF}">
+                <a14:hiddenLine xmlns:a14="http://schemas.microsoft.com/office/drawing/2010/main" w="9525">
                   <a:solidFill>
                     <a:srgbClr val="000000"/>
                   </a:solidFill>
@@ -4167,8 +4606,8 @@
               <a:noFill/>
             </a:ln>
             <a:extLst>
-              <a:ext uri="{91240B29-F687-4f45-9708-019B960494DF}">
-                <a14:hiddenLine xmlns:a14="http://schemas.microsoft.com/office/drawing/2010/main" xmlns="" w="9525">
+              <a:ext uri="{91240B29-F687-4F45-9708-019B960494DF}">
+                <a14:hiddenLine xmlns:a14="http://schemas.microsoft.com/office/drawing/2010/main" w="9525">
                   <a:solidFill>
                     <a:srgbClr val="000000"/>
                   </a:solidFill>
@@ -4257,8 +4696,8 @@
               <a:noFill/>
             </a:ln>
             <a:extLst>
-              <a:ext uri="{91240B29-F687-4f45-9708-019B960494DF}">
-                <a14:hiddenLine xmlns:a14="http://schemas.microsoft.com/office/drawing/2010/main" xmlns="" w="9525">
+              <a:ext uri="{91240B29-F687-4F45-9708-019B960494DF}">
+                <a14:hiddenLine xmlns:a14="http://schemas.microsoft.com/office/drawing/2010/main" w="9525">
                   <a:solidFill>
                     <a:srgbClr val="000000"/>
                   </a:solidFill>
@@ -4399,7 +4838,7 @@
             <a:fld id="{09B482E8-6E0E-1B4F-B1FD-C69DB9E858D9}" type="datetimeFigureOut">
               <a:rPr lang="en-US" smtClean="0"/>
               <a:pPr/>
-              <a:t>10/10/2016</a:t>
+              <a:t>10/11/2016</a:t>
             </a:fld>
             <a:endParaRPr lang="en-US" dirty="0"/>
           </a:p>
@@ -4669,7 +5108,7 @@
             <a:fld id="{09B482E8-6E0E-1B4F-B1FD-C69DB9E858D9}" type="datetimeFigureOut">
               <a:rPr lang="en-US" smtClean="0"/>
               <a:pPr/>
-              <a:t>10/10/2016</a:t>
+              <a:t>10/11/2016</a:t>
             </a:fld>
             <a:endParaRPr lang="en-US" dirty="0"/>
           </a:p>
@@ -4868,7 +5307,7 @@
             <a:fld id="{09B482E8-6E0E-1B4F-B1FD-C69DB9E858D9}" type="datetimeFigureOut">
               <a:rPr lang="en-US" smtClean="0"/>
               <a:pPr/>
-              <a:t>10/10/2016</a:t>
+              <a:t>10/11/2016</a:t>
             </a:fld>
             <a:endParaRPr lang="en-US" dirty="0"/>
           </a:p>
@@ -5134,7 +5573,7 @@
             <a:fld id="{09B482E8-6E0E-1B4F-B1FD-C69DB9E858D9}" type="datetimeFigureOut">
               <a:rPr lang="en-US" smtClean="0"/>
               <a:pPr/>
-              <a:t>10/10/2016</a:t>
+              <a:t>10/11/2016</a:t>
             </a:fld>
             <a:endParaRPr lang="en-US" dirty="0"/>
           </a:p>
@@ -5571,7 +6010,7 @@
             <a:fld id="{09B482E8-6E0E-1B4F-B1FD-C69DB9E858D9}" type="datetimeFigureOut">
               <a:rPr lang="en-US" smtClean="0"/>
               <a:pPr/>
-              <a:t>10/10/2016</a:t>
+              <a:t>10/11/2016</a:t>
             </a:fld>
             <a:endParaRPr lang="en-US" dirty="0"/>
           </a:p>
@@ -6120,7 +6559,7 @@
             <a:fld id="{09B482E8-6E0E-1B4F-B1FD-C69DB9E858D9}" type="datetimeFigureOut">
               <a:rPr lang="en-US" smtClean="0"/>
               <a:pPr/>
-              <a:t>10/10/2016</a:t>
+              <a:t>10/11/2016</a:t>
             </a:fld>
             <a:endParaRPr lang="en-US" dirty="0"/>
           </a:p>
@@ -6843,7 +7282,7 @@
             <a:fld id="{09B482E8-6E0E-1B4F-B1FD-C69DB9E858D9}" type="datetimeFigureOut">
               <a:rPr lang="en-US" smtClean="0"/>
               <a:pPr/>
-              <a:t>10/10/2016</a:t>
+              <a:t>10/11/2016</a:t>
             </a:fld>
             <a:endParaRPr lang="en-US" dirty="0"/>
           </a:p>
@@ -7016,7 +7455,7 @@
             <a:fld id="{09B482E8-6E0E-1B4F-B1FD-C69DB9E858D9}" type="datetimeFigureOut">
               <a:rPr lang="en-US" smtClean="0"/>
               <a:pPr/>
-              <a:t>10/10/2016</a:t>
+              <a:t>10/11/2016</a:t>
             </a:fld>
             <a:endParaRPr lang="en-US" dirty="0"/>
           </a:p>
@@ -7199,7 +7638,7 @@
             <a:fld id="{09B482E8-6E0E-1B4F-B1FD-C69DB9E858D9}" type="datetimeFigureOut">
               <a:rPr lang="en-US" smtClean="0"/>
               <a:pPr/>
-              <a:t>10/10/2016</a:t>
+              <a:t>10/11/2016</a:t>
             </a:fld>
             <a:endParaRPr lang="en-US" dirty="0"/>
           </a:p>
@@ -7372,7 +7811,7 @@
             <a:fld id="{09B482E8-6E0E-1B4F-B1FD-C69DB9E858D9}" type="datetimeFigureOut">
               <a:rPr lang="en-US" smtClean="0"/>
               <a:pPr/>
-              <a:t>10/10/2016</a:t>
+              <a:t>10/11/2016</a:t>
             </a:fld>
             <a:endParaRPr lang="en-US" dirty="0"/>
           </a:p>
@@ -7625,7 +8064,7 @@
             <a:fld id="{09B482E8-6E0E-1B4F-B1FD-C69DB9E858D9}" type="datetimeFigureOut">
               <a:rPr lang="en-US" smtClean="0"/>
               <a:pPr/>
-              <a:t>10/10/2016</a:t>
+              <a:t>10/11/2016</a:t>
             </a:fld>
             <a:endParaRPr lang="en-US" dirty="0"/>
           </a:p>
@@ -7860,7 +8299,7 @@
             <a:fld id="{09B482E8-6E0E-1B4F-B1FD-C69DB9E858D9}" type="datetimeFigureOut">
               <a:rPr lang="en-US" smtClean="0"/>
               <a:pPr/>
-              <a:t>10/10/2016</a:t>
+              <a:t>10/11/2016</a:t>
             </a:fld>
             <a:endParaRPr lang="en-US" dirty="0"/>
           </a:p>
@@ -8244,7 +8683,7 @@
             <a:fld id="{09B482E8-6E0E-1B4F-B1FD-C69DB9E858D9}" type="datetimeFigureOut">
               <a:rPr lang="en-US" smtClean="0"/>
               <a:pPr/>
-              <a:t>10/10/2016</a:t>
+              <a:t>10/11/2016</a:t>
             </a:fld>
             <a:endParaRPr lang="en-US" dirty="0"/>
           </a:p>
@@ -8365,7 +8804,7 @@
             <a:fld id="{09B482E8-6E0E-1B4F-B1FD-C69DB9E858D9}" type="datetimeFigureOut">
               <a:rPr lang="en-US" smtClean="0"/>
               <a:pPr/>
-              <a:t>10/10/2016</a:t>
+              <a:t>10/11/2016</a:t>
             </a:fld>
             <a:endParaRPr lang="en-US" dirty="0"/>
           </a:p>
@@ -8463,7 +8902,7 @@
             <a:fld id="{09B482E8-6E0E-1B4F-B1FD-C69DB9E858D9}" type="datetimeFigureOut">
               <a:rPr lang="en-US" smtClean="0"/>
               <a:pPr/>
-              <a:t>10/10/2016</a:t>
+              <a:t>10/11/2016</a:t>
             </a:fld>
             <a:endParaRPr lang="en-US" dirty="0"/>
           </a:p>
@@ -8715,7 +9154,7 @@
             <a:fld id="{09B482E8-6E0E-1B4F-B1FD-C69DB9E858D9}" type="datetimeFigureOut">
               <a:rPr lang="en-US" smtClean="0"/>
               <a:pPr/>
-              <a:t>10/10/2016</a:t>
+              <a:t>10/11/2016</a:t>
             </a:fld>
             <a:endParaRPr lang="en-US" dirty="0"/>
           </a:p>
@@ -8998,7 +9437,7 @@
             <a:fld id="{09B482E8-6E0E-1B4F-B1FD-C69DB9E858D9}" type="datetimeFigureOut">
               <a:rPr lang="en-US" smtClean="0"/>
               <a:pPr/>
-              <a:t>10/10/2016</a:t>
+              <a:t>10/11/2016</a:t>
             </a:fld>
             <a:endParaRPr lang="en-US" dirty="0"/>
           </a:p>
@@ -9122,8 +9561,8 @@
           </a:prstGeom>
           <a:noFill/>
           <a:extLst>
-            <a:ext uri="{909E8E84-426E-40dd-AFC4-6F175D3DCCD1}">
-              <a14:hiddenFill xmlns:a14="http://schemas.microsoft.com/office/drawing/2010/main" xmlns="">
+            <a:ext uri="{909E8E84-426E-40DD-AFC4-6F175D3DCCD1}">
+              <a14:hiddenFill xmlns:a14="http://schemas.microsoft.com/office/drawing/2010/main">
                 <a:solidFill>
                   <a:srgbClr val="FFFFFF"/>
                 </a:solidFill>
@@ -9196,8 +9635,8 @@
                 <a:noFill/>
               </a:ln>
               <a:extLst>
-                <a:ext uri="{91240B29-F687-4f45-9708-019B960494DF}">
-                  <a14:hiddenLine xmlns:a14="http://schemas.microsoft.com/office/drawing/2010/main" xmlns="" w="9525">
+                <a:ext uri="{91240B29-F687-4F45-9708-019B960494DF}">
+                  <a14:hiddenLine xmlns:a14="http://schemas.microsoft.com/office/drawing/2010/main" w="9525">
                     <a:solidFill>
                       <a:srgbClr val="000000"/>
                     </a:solidFill>
@@ -9286,8 +9725,8 @@
                 <a:noFill/>
               </a:ln>
               <a:extLst>
-                <a:ext uri="{91240B29-F687-4f45-9708-019B960494DF}">
-                  <a14:hiddenLine xmlns:a14="http://schemas.microsoft.com/office/drawing/2010/main" xmlns="" w="9525">
+                <a:ext uri="{91240B29-F687-4F45-9708-019B960494DF}">
+                  <a14:hiddenLine xmlns:a14="http://schemas.microsoft.com/office/drawing/2010/main" w="9525">
                     <a:solidFill>
                       <a:srgbClr val="000000"/>
                     </a:solidFill>
@@ -9376,8 +9815,8 @@
                 <a:noFill/>
               </a:ln>
               <a:extLst>
-                <a:ext uri="{91240B29-F687-4f45-9708-019B960494DF}">
-                  <a14:hiddenLine xmlns:a14="http://schemas.microsoft.com/office/drawing/2010/main" xmlns="" w="9525">
+                <a:ext uri="{91240B29-F687-4F45-9708-019B960494DF}">
+                  <a14:hiddenLine xmlns:a14="http://schemas.microsoft.com/office/drawing/2010/main" w="9525">
                     <a:solidFill>
                       <a:srgbClr val="000000"/>
                     </a:solidFill>
@@ -9438,8 +9877,8 @@
                 <a:noFill/>
               </a:ln>
               <a:extLst>
-                <a:ext uri="{91240B29-F687-4f45-9708-019B960494DF}">
-                  <a14:hiddenLine xmlns:a14="http://schemas.microsoft.com/office/drawing/2010/main" xmlns="" w="9525">
+                <a:ext uri="{91240B29-F687-4F45-9708-019B960494DF}">
+                  <a14:hiddenLine xmlns:a14="http://schemas.microsoft.com/office/drawing/2010/main" w="9525">
                     <a:solidFill>
                       <a:srgbClr val="000000"/>
                     </a:solidFill>
@@ -9528,8 +9967,8 @@
                 <a:noFill/>
               </a:ln>
               <a:extLst>
-                <a:ext uri="{91240B29-F687-4f45-9708-019B960494DF}">
-                  <a14:hiddenLine xmlns:a14="http://schemas.microsoft.com/office/drawing/2010/main" xmlns="" w="9525">
+                <a:ext uri="{91240B29-F687-4F45-9708-019B960494DF}">
+                  <a14:hiddenLine xmlns:a14="http://schemas.microsoft.com/office/drawing/2010/main" w="9525">
                     <a:solidFill>
                       <a:srgbClr val="000000"/>
                     </a:solidFill>
@@ -9590,8 +10029,8 @@
                 <a:noFill/>
               </a:ln>
               <a:extLst>
-                <a:ext uri="{91240B29-F687-4f45-9708-019B960494DF}">
-                  <a14:hiddenLine xmlns:a14="http://schemas.microsoft.com/office/drawing/2010/main" xmlns="" w="9525">
+                <a:ext uri="{91240B29-F687-4F45-9708-019B960494DF}">
+                  <a14:hiddenLine xmlns:a14="http://schemas.microsoft.com/office/drawing/2010/main" w="9525">
                     <a:solidFill>
                       <a:srgbClr val="000000"/>
                     </a:solidFill>
@@ -9652,8 +10091,8 @@
                 <a:noFill/>
               </a:ln>
               <a:extLst>
-                <a:ext uri="{91240B29-F687-4f45-9708-019B960494DF}">
-                  <a14:hiddenLine xmlns:a14="http://schemas.microsoft.com/office/drawing/2010/main" xmlns="" w="9525">
+                <a:ext uri="{91240B29-F687-4F45-9708-019B960494DF}">
+                  <a14:hiddenLine xmlns:a14="http://schemas.microsoft.com/office/drawing/2010/main" w="9525">
                     <a:solidFill>
                       <a:srgbClr val="000000"/>
                     </a:solidFill>
@@ -9742,8 +10181,8 @@
                 <a:noFill/>
               </a:ln>
               <a:extLst>
-                <a:ext uri="{91240B29-F687-4f45-9708-019B960494DF}">
-                  <a14:hiddenLine xmlns:a14="http://schemas.microsoft.com/office/drawing/2010/main" xmlns="" w="9525">
+                <a:ext uri="{91240B29-F687-4F45-9708-019B960494DF}">
+                  <a14:hiddenLine xmlns:a14="http://schemas.microsoft.com/office/drawing/2010/main" w="9525">
                     <a:solidFill>
                       <a:srgbClr val="000000"/>
                     </a:solidFill>
@@ -9832,8 +10271,8 @@
                 <a:noFill/>
               </a:ln>
               <a:extLst>
-                <a:ext uri="{91240B29-F687-4f45-9708-019B960494DF}">
-                  <a14:hiddenLine xmlns:a14="http://schemas.microsoft.com/office/drawing/2010/main" xmlns="" w="9525">
+                <a:ext uri="{91240B29-F687-4F45-9708-019B960494DF}">
+                  <a14:hiddenLine xmlns:a14="http://schemas.microsoft.com/office/drawing/2010/main" w="9525">
                     <a:solidFill>
                       <a:srgbClr val="000000"/>
                     </a:solidFill>
@@ -9894,8 +10333,8 @@
                 <a:noFill/>
               </a:ln>
               <a:extLst>
-                <a:ext uri="{91240B29-F687-4f45-9708-019B960494DF}">
-                  <a14:hiddenLine xmlns:a14="http://schemas.microsoft.com/office/drawing/2010/main" xmlns="" w="9525">
+                <a:ext uri="{91240B29-F687-4F45-9708-019B960494DF}">
+                  <a14:hiddenLine xmlns:a14="http://schemas.microsoft.com/office/drawing/2010/main" w="9525">
                     <a:solidFill>
                       <a:srgbClr val="000000"/>
                     </a:solidFill>
@@ -10004,8 +10443,8 @@
                 <a:noFill/>
               </a:ln>
               <a:extLst>
-                <a:ext uri="{91240B29-F687-4f45-9708-019B960494DF}">
-                  <a14:hiddenLine xmlns:a14="http://schemas.microsoft.com/office/drawing/2010/main" xmlns="" w="9525">
+                <a:ext uri="{91240B29-F687-4F45-9708-019B960494DF}">
+                  <a14:hiddenLine xmlns:a14="http://schemas.microsoft.com/office/drawing/2010/main" w="9525">
                     <a:solidFill>
                       <a:srgbClr val="000000"/>
                     </a:solidFill>
@@ -10088,8 +10527,8 @@
                 <a:noFill/>
               </a:ln>
               <a:extLst>
-                <a:ext uri="{91240B29-F687-4f45-9708-019B960494DF}">
-                  <a14:hiddenLine xmlns:a14="http://schemas.microsoft.com/office/drawing/2010/main" xmlns="" w="9525">
+                <a:ext uri="{91240B29-F687-4F45-9708-019B960494DF}">
+                  <a14:hiddenLine xmlns:a14="http://schemas.microsoft.com/office/drawing/2010/main" w="9525">
                     <a:solidFill>
                       <a:srgbClr val="000000"/>
                     </a:solidFill>
@@ -10150,8 +10589,8 @@
                 <a:noFill/>
               </a:ln>
               <a:extLst>
-                <a:ext uri="{91240B29-F687-4f45-9708-019B960494DF}">
-                  <a14:hiddenLine xmlns:a14="http://schemas.microsoft.com/office/drawing/2010/main" xmlns="" w="9525">
+                <a:ext uri="{91240B29-F687-4F45-9708-019B960494DF}">
+                  <a14:hiddenLine xmlns:a14="http://schemas.microsoft.com/office/drawing/2010/main" w="9525">
                     <a:solidFill>
                       <a:srgbClr val="000000"/>
                     </a:solidFill>
@@ -10212,8 +10651,8 @@
                 <a:noFill/>
               </a:ln>
               <a:extLst>
-                <a:ext uri="{91240B29-F687-4f45-9708-019B960494DF}">
-                  <a14:hiddenLine xmlns:a14="http://schemas.microsoft.com/office/drawing/2010/main" xmlns="" w="9525">
+                <a:ext uri="{91240B29-F687-4F45-9708-019B960494DF}">
+                  <a14:hiddenLine xmlns:a14="http://schemas.microsoft.com/office/drawing/2010/main" w="9525">
                     <a:solidFill>
                       <a:srgbClr val="000000"/>
                     </a:solidFill>
@@ -10302,8 +10741,8 @@
                 <a:noFill/>
               </a:ln>
               <a:extLst>
-                <a:ext uri="{91240B29-F687-4f45-9708-019B960494DF}">
-                  <a14:hiddenLine xmlns:a14="http://schemas.microsoft.com/office/drawing/2010/main" xmlns="" w="9525">
+                <a:ext uri="{91240B29-F687-4F45-9708-019B960494DF}">
+                  <a14:hiddenLine xmlns:a14="http://schemas.microsoft.com/office/drawing/2010/main" w="9525">
                     <a:solidFill>
                       <a:srgbClr val="000000"/>
                     </a:solidFill>
@@ -10336,8 +10775,8 @@
                 <a:noFill/>
               </a:ln>
               <a:extLst>
-                <a:ext uri="{91240B29-F687-4f45-9708-019B960494DF}">
-                  <a14:hiddenLine xmlns:a14="http://schemas.microsoft.com/office/drawing/2010/main" xmlns="" w="9525">
+                <a:ext uri="{91240B29-F687-4F45-9708-019B960494DF}">
+                  <a14:hiddenLine xmlns:a14="http://schemas.microsoft.com/office/drawing/2010/main" w="9525">
                     <a:solidFill>
                       <a:srgbClr val="000000"/>
                     </a:solidFill>
@@ -10401,8 +10840,8 @@
                 <a:noFill/>
               </a:ln>
               <a:extLst>
-                <a:ext uri="{91240B29-F687-4f45-9708-019B960494DF}">
-                  <a14:hiddenLine xmlns:a14="http://schemas.microsoft.com/office/drawing/2010/main" xmlns="" w="9525">
+                <a:ext uri="{91240B29-F687-4F45-9708-019B960494DF}">
+                  <a14:hiddenLine xmlns:a14="http://schemas.microsoft.com/office/drawing/2010/main" w="9525">
                     <a:solidFill>
                       <a:srgbClr val="000000"/>
                     </a:solidFill>
@@ -10491,8 +10930,8 @@
                 <a:noFill/>
               </a:ln>
               <a:extLst>
-                <a:ext uri="{91240B29-F687-4f45-9708-019B960494DF}">
-                  <a14:hiddenLine xmlns:a14="http://schemas.microsoft.com/office/drawing/2010/main" xmlns="" w="9525">
+                <a:ext uri="{91240B29-F687-4F45-9708-019B960494DF}">
+                  <a14:hiddenLine xmlns:a14="http://schemas.microsoft.com/office/drawing/2010/main" w="9525">
                     <a:solidFill>
                       <a:srgbClr val="000000"/>
                     </a:solidFill>
@@ -10553,8 +10992,8 @@
                 <a:noFill/>
               </a:ln>
               <a:extLst>
-                <a:ext uri="{91240B29-F687-4f45-9708-019B960494DF}">
-                  <a14:hiddenLine xmlns:a14="http://schemas.microsoft.com/office/drawing/2010/main" xmlns="" w="9525">
+                <a:ext uri="{91240B29-F687-4F45-9708-019B960494DF}">
+                  <a14:hiddenLine xmlns:a14="http://schemas.microsoft.com/office/drawing/2010/main" w="9525">
                     <a:solidFill>
                       <a:srgbClr val="000000"/>
                     </a:solidFill>
@@ -10643,8 +11082,8 @@
                 <a:noFill/>
               </a:ln>
               <a:extLst>
-                <a:ext uri="{91240B29-F687-4f45-9708-019B960494DF}">
-                  <a14:hiddenLine xmlns:a14="http://schemas.microsoft.com/office/drawing/2010/main" xmlns="" w="9525">
+                <a:ext uri="{91240B29-F687-4F45-9708-019B960494DF}">
+                  <a14:hiddenLine xmlns:a14="http://schemas.microsoft.com/office/drawing/2010/main" w="9525">
                     <a:solidFill>
                       <a:srgbClr val="000000"/>
                     </a:solidFill>
@@ -10708,8 +11147,8 @@
                 <a:noFill/>
               </a:ln>
               <a:extLst>
-                <a:ext uri="{91240B29-F687-4f45-9708-019B960494DF}">
-                  <a14:hiddenLine xmlns:a14="http://schemas.microsoft.com/office/drawing/2010/main" xmlns="" w="9525">
+                <a:ext uri="{91240B29-F687-4F45-9708-019B960494DF}">
+                  <a14:hiddenLine xmlns:a14="http://schemas.microsoft.com/office/drawing/2010/main" w="9525">
                     <a:solidFill>
                       <a:srgbClr val="000000"/>
                     </a:solidFill>
@@ -10770,8 +11209,8 @@
                 <a:noFill/>
               </a:ln>
               <a:extLst>
-                <a:ext uri="{91240B29-F687-4f45-9708-019B960494DF}">
-                  <a14:hiddenLine xmlns:a14="http://schemas.microsoft.com/office/drawing/2010/main" xmlns="" w="9525">
+                <a:ext uri="{91240B29-F687-4F45-9708-019B960494DF}">
+                  <a14:hiddenLine xmlns:a14="http://schemas.microsoft.com/office/drawing/2010/main" w="9525">
                     <a:solidFill>
                       <a:srgbClr val="000000"/>
                     </a:solidFill>
@@ -10860,8 +11299,8 @@
                 <a:noFill/>
               </a:ln>
               <a:extLst>
-                <a:ext uri="{91240B29-F687-4f45-9708-019B960494DF}">
-                  <a14:hiddenLine xmlns:a14="http://schemas.microsoft.com/office/drawing/2010/main" xmlns="" w="9525">
+                <a:ext uri="{91240B29-F687-4F45-9708-019B960494DF}">
+                  <a14:hiddenLine xmlns:a14="http://schemas.microsoft.com/office/drawing/2010/main" w="9525">
                     <a:solidFill>
                       <a:srgbClr val="000000"/>
                     </a:solidFill>
@@ -10950,8 +11389,8 @@
                 <a:noFill/>
               </a:ln>
               <a:extLst>
-                <a:ext uri="{91240B29-F687-4f45-9708-019B960494DF}">
-                  <a14:hiddenLine xmlns:a14="http://schemas.microsoft.com/office/drawing/2010/main" xmlns="" w="9525">
+                <a:ext uri="{91240B29-F687-4F45-9708-019B960494DF}">
+                  <a14:hiddenLine xmlns:a14="http://schemas.microsoft.com/office/drawing/2010/main" w="9525">
                     <a:solidFill>
                       <a:srgbClr val="000000"/>
                     </a:solidFill>
@@ -11015,8 +11454,8 @@
                 <a:noFill/>
               </a:ln>
               <a:extLst>
-                <a:ext uri="{91240B29-F687-4f45-9708-019B960494DF}">
-                  <a14:hiddenLine xmlns:a14="http://schemas.microsoft.com/office/drawing/2010/main" xmlns="" w="9525">
+                <a:ext uri="{91240B29-F687-4F45-9708-019B960494DF}">
+                  <a14:hiddenLine xmlns:a14="http://schemas.microsoft.com/office/drawing/2010/main" w="9525">
                     <a:solidFill>
                       <a:srgbClr val="000000"/>
                     </a:solidFill>
@@ -11135,8 +11574,8 @@
                 <a:noFill/>
               </a:ln>
               <a:extLst>
-                <a:ext uri="{91240B29-F687-4f45-9708-019B960494DF}">
-                  <a14:hiddenLine xmlns:a14="http://schemas.microsoft.com/office/drawing/2010/main" xmlns="" w="9525">
+                <a:ext uri="{91240B29-F687-4F45-9708-019B960494DF}">
+                  <a14:hiddenLine xmlns:a14="http://schemas.microsoft.com/office/drawing/2010/main" w="9525">
                     <a:solidFill>
                       <a:srgbClr val="000000"/>
                     </a:solidFill>
@@ -11216,8 +11655,8 @@
                 <a:noFill/>
               </a:ln>
               <a:extLst>
-                <a:ext uri="{91240B29-F687-4f45-9708-019B960494DF}">
-                  <a14:hiddenLine xmlns:a14="http://schemas.microsoft.com/office/drawing/2010/main" xmlns="" w="9525">
+                <a:ext uri="{91240B29-F687-4F45-9708-019B960494DF}">
+                  <a14:hiddenLine xmlns:a14="http://schemas.microsoft.com/office/drawing/2010/main" w="9525">
                     <a:solidFill>
                       <a:srgbClr val="000000"/>
                     </a:solidFill>
@@ -11331,8 +11770,8 @@
                 <a:noFill/>
               </a:ln>
               <a:extLst>
-                <a:ext uri="{91240B29-F687-4f45-9708-019B960494DF}">
-                  <a14:hiddenLine xmlns:a14="http://schemas.microsoft.com/office/drawing/2010/main" xmlns="" w="9525">
+                <a:ext uri="{91240B29-F687-4F45-9708-019B960494DF}">
+                  <a14:hiddenLine xmlns:a14="http://schemas.microsoft.com/office/drawing/2010/main" w="9525">
                     <a:solidFill>
                       <a:srgbClr val="000000"/>
                     </a:solidFill>
@@ -11421,8 +11860,8 @@
                 <a:noFill/>
               </a:ln>
               <a:extLst>
-                <a:ext uri="{91240B29-F687-4f45-9708-019B960494DF}">
-                  <a14:hiddenLine xmlns:a14="http://schemas.microsoft.com/office/drawing/2010/main" xmlns="" w="9525">
+                <a:ext uri="{91240B29-F687-4F45-9708-019B960494DF}">
+                  <a14:hiddenLine xmlns:a14="http://schemas.microsoft.com/office/drawing/2010/main" w="9525">
                     <a:solidFill>
                       <a:srgbClr val="000000"/>
                     </a:solidFill>
@@ -11486,8 +11925,8 @@
                 <a:noFill/>
               </a:ln>
               <a:extLst>
-                <a:ext uri="{91240B29-F687-4f45-9708-019B960494DF}">
-                  <a14:hiddenLine xmlns:a14="http://schemas.microsoft.com/office/drawing/2010/main" xmlns="" w="9525">
+                <a:ext uri="{91240B29-F687-4F45-9708-019B960494DF}">
+                  <a14:hiddenLine xmlns:a14="http://schemas.microsoft.com/office/drawing/2010/main" w="9525">
                     <a:solidFill>
                       <a:srgbClr val="000000"/>
                     </a:solidFill>
@@ -11576,8 +12015,8 @@
                 <a:noFill/>
               </a:ln>
               <a:extLst>
-                <a:ext uri="{91240B29-F687-4f45-9708-019B960494DF}">
-                  <a14:hiddenLine xmlns:a14="http://schemas.microsoft.com/office/drawing/2010/main" xmlns="" w="9525">
+                <a:ext uri="{91240B29-F687-4F45-9708-019B960494DF}">
+                  <a14:hiddenLine xmlns:a14="http://schemas.microsoft.com/office/drawing/2010/main" w="9525">
                     <a:solidFill>
                       <a:srgbClr val="000000"/>
                     </a:solidFill>
@@ -11644,8 +12083,8 @@
                 <a:noFill/>
               </a:ln>
               <a:extLst>
-                <a:ext uri="{91240B29-F687-4f45-9708-019B960494DF}">
-                  <a14:hiddenLine xmlns:a14="http://schemas.microsoft.com/office/drawing/2010/main" xmlns="" w="9525">
+                <a:ext uri="{91240B29-F687-4F45-9708-019B960494DF}">
+                  <a14:hiddenLine xmlns:a14="http://schemas.microsoft.com/office/drawing/2010/main" w="9525">
                     <a:solidFill>
                       <a:srgbClr val="000000"/>
                     </a:solidFill>
@@ -11734,8 +12173,8 @@
                 <a:noFill/>
               </a:ln>
               <a:extLst>
-                <a:ext uri="{91240B29-F687-4f45-9708-019B960494DF}">
-                  <a14:hiddenLine xmlns:a14="http://schemas.microsoft.com/office/drawing/2010/main" xmlns="" w="9525">
+                <a:ext uri="{91240B29-F687-4F45-9708-019B960494DF}">
+                  <a14:hiddenLine xmlns:a14="http://schemas.microsoft.com/office/drawing/2010/main" w="9525">
                     <a:solidFill>
                       <a:srgbClr val="000000"/>
                     </a:solidFill>
@@ -11802,8 +12241,8 @@
                 <a:noFill/>
               </a:ln>
               <a:extLst>
-                <a:ext uri="{91240B29-F687-4f45-9708-019B960494DF}">
-                  <a14:hiddenLine xmlns:a14="http://schemas.microsoft.com/office/drawing/2010/main" xmlns="" w="9525">
+                <a:ext uri="{91240B29-F687-4F45-9708-019B960494DF}">
+                  <a14:hiddenLine xmlns:a14="http://schemas.microsoft.com/office/drawing/2010/main" w="9525">
                     <a:solidFill>
                       <a:srgbClr val="000000"/>
                     </a:solidFill>
@@ -11892,8 +12331,8 @@
                 <a:noFill/>
               </a:ln>
               <a:extLst>
-                <a:ext uri="{91240B29-F687-4f45-9708-019B960494DF}">
-                  <a14:hiddenLine xmlns:a14="http://schemas.microsoft.com/office/drawing/2010/main" xmlns="" w="9525">
+                <a:ext uri="{91240B29-F687-4F45-9708-019B960494DF}">
+                  <a14:hiddenLine xmlns:a14="http://schemas.microsoft.com/office/drawing/2010/main" w="9525">
                     <a:solidFill>
                       <a:srgbClr val="000000"/>
                     </a:solidFill>
@@ -11926,8 +12365,8 @@
                 <a:noFill/>
               </a:ln>
               <a:extLst>
-                <a:ext uri="{91240B29-F687-4f45-9708-019B960494DF}">
-                  <a14:hiddenLine xmlns:a14="http://schemas.microsoft.com/office/drawing/2010/main" xmlns="" w="9525">
+                <a:ext uri="{91240B29-F687-4F45-9708-019B960494DF}">
+                  <a14:hiddenLine xmlns:a14="http://schemas.microsoft.com/office/drawing/2010/main" w="9525">
                     <a:solidFill>
                       <a:srgbClr val="000000"/>
                     </a:solidFill>
@@ -12068,7 +12507,7 @@
             <a:fld id="{09B482E8-6E0E-1B4F-B1FD-C69DB9E858D9}" type="datetimeFigureOut">
               <a:rPr lang="en-US" smtClean="0"/>
               <a:pPr/>
-              <a:t>10/10/2016</a:t>
+              <a:t>10/11/2016</a:t>
             </a:fld>
             <a:endParaRPr lang="en-US" dirty="0"/>
           </a:p>
@@ -12507,16 +12946,14 @@
           </a:xfrm>
         </p:spPr>
         <p:txBody>
-          <a:bodyPr/>
+          <a:bodyPr>
+            <a:normAutofit fontScale="90000"/>
+          </a:bodyPr>
           <a:lstStyle/>
           <a:p>
             <a:r>
               <a:rPr lang="en-US" dirty="0" smtClean="0"/>
-              <a:t>Problema </a:t>
-            </a:r>
-            <a:r>
-              <a:rPr lang="en-US" dirty="0" smtClean="0"/>
-              <a:t>4 – IWG 101</a:t>
+              <a:t>Problema 4 – IWG 101</a:t>
             </a:r>
             <a:endParaRPr lang="en-US" dirty="0"/>
           </a:p>
@@ -12540,7 +12977,7 @@
         </p:spPr>
         <p:txBody>
           <a:bodyPr>
-            <a:normAutofit fontScale="92500" lnSpcReduction="20000"/>
+            <a:normAutofit fontScale="85000" lnSpcReduction="10000"/>
           </a:bodyPr>
           <a:lstStyle/>
           <a:p>
@@ -12913,23 +13350,7 @@
             </a:r>
             <a:r>
               <a:rPr lang="es-CL" dirty="0" smtClean="0"/>
-              <a:t> </a:t>
-            </a:r>
-            <a:r>
-              <a:rPr lang="es-CL" dirty="0" smtClean="0"/>
-              <a:t>: En su mayoría se utilizo esta estructura </a:t>
-            </a:r>
-            <a:r>
-              <a:rPr lang="es-CL" dirty="0" smtClean="0"/>
-              <a:t>pa</a:t>
-            </a:r>
-            <a:r>
-              <a:rPr lang="es-CL" dirty="0" smtClean="0"/>
-              <a:t>ra almacenar información </a:t>
-            </a:r>
-            <a:r>
-              <a:rPr lang="es-CL" dirty="0" smtClean="0"/>
-              <a:t>de los cuadrantes y sus respectivas amenazas. Como también los grados de amenaza.</a:t>
+              <a:t> : En su mayoría se utilizo esta estructura para almacenar información de los cuadrantes y sus respectivas amenazas. Como también los grados de amenaza.</a:t>
             </a:r>
           </a:p>
           <a:p>
@@ -12939,17 +13360,8 @@
             </a:r>
             <a:r>
               <a:rPr lang="es-CL" dirty="0" smtClean="0"/>
-              <a:t> </a:t>
+              <a:t> : Se utiliza para guardar los grados para escoger el movimiento a realizar por el robot.</a:t>
             </a:r>
-            <a:r>
-              <a:rPr lang="es-CL" dirty="0" smtClean="0"/>
-              <a:t>: </a:t>
-            </a:r>
-            <a:r>
-              <a:rPr lang="es-CL" dirty="0" smtClean="0"/>
-              <a:t>Se utiliza para guardar los grados para escoger el movimiento a realizar por el robot.</a:t>
-            </a:r>
-            <a:endParaRPr lang="es-CL" dirty="0" smtClean="0"/>
           </a:p>
         </p:txBody>
       </p:sp>
@@ -13028,22 +13440,15 @@
           </a:xfrm>
         </p:spPr>
         <p:txBody>
-          <a:bodyPr/>
+          <a:bodyPr>
+            <a:normAutofit fontScale="92500"/>
+          </a:bodyPr>
           <a:lstStyle/>
           <a:p>
             <a:r>
               <a:rPr lang="es-CL" dirty="0" smtClean="0"/>
-              <a:t>Este programa nos permitió </a:t>
+              <a:t>Este programa nos permitió tener almacenado nuestro trabajo en un lugar seguro y rápido, en donde todo el grupo tenga acceso en cualquier momento y disponer de él cuando se esté trabajando en el problema.</a:t>
             </a:r>
-            <a:r>
-              <a:rPr lang="es-CL" dirty="0" smtClean="0"/>
-              <a:t>tener almacenado nuestro trabajo en un lugar seguro y rápido, en donde todo el grupo tenga acceso en cualquier momento y disponer de él cuando se esté trabajando en el problema</a:t>
-            </a:r>
-            <a:r>
-              <a:rPr lang="es-CL" dirty="0" smtClean="0"/>
-              <a:t>.</a:t>
-            </a:r>
-            <a:endParaRPr lang="es-CL" dirty="0" smtClean="0"/>
           </a:p>
           <a:p>
             <a:endParaRPr lang="es-CL" dirty="0"/>
@@ -13120,6 +13525,333 @@
       </p:grpSpPr>
       <p:sp>
         <p:nvSpPr>
+          <p:cNvPr id="2" name="1 Título"/>
+          <p:cNvSpPr>
+            <a:spLocks noGrp="1"/>
+          </p:cNvSpPr>
+          <p:nvPr>
+            <p:ph type="title"/>
+          </p:nvPr>
+        </p:nvSpPr>
+        <p:spPr/>
+        <p:txBody>
+          <a:bodyPr/>
+          <a:lstStyle/>
+          <a:p>
+            <a:r>
+              <a:rPr lang="es-CL" dirty="0" smtClean="0"/>
+              <a:t>Dificultades</a:t>
+            </a:r>
+            <a:endParaRPr lang="es-CL" dirty="0"/>
+          </a:p>
+        </p:txBody>
+      </p:sp>
+      <p:sp>
+        <p:nvSpPr>
+          <p:cNvPr id="3" name="2 Marcador de contenido"/>
+          <p:cNvSpPr>
+            <a:spLocks noGrp="1"/>
+          </p:cNvSpPr>
+          <p:nvPr>
+            <p:ph idx="1"/>
+          </p:nvPr>
+        </p:nvSpPr>
+        <p:spPr>
+          <a:xfrm>
+            <a:off x="1141412" y="1585808"/>
+            <a:ext cx="9905999" cy="4225055"/>
+          </a:xfrm>
+        </p:spPr>
+        <p:txBody>
+          <a:bodyPr>
+            <a:normAutofit/>
+          </a:bodyPr>
+          <a:lstStyle/>
+          <a:p>
+            <a:r>
+              <a:rPr lang="es-CL" dirty="0" smtClean="0"/>
+              <a:t>Orientación de los ejes extraña y distinta para movimiento y disparo.</a:t>
+            </a:r>
+          </a:p>
+          <a:p>
+            <a:r>
+              <a:rPr lang="es-CL" dirty="0" smtClean="0"/>
+              <a:t>La posición esta «invertida», supuestamente se debe entregar en formato (</a:t>
+            </a:r>
+            <a:r>
+              <a:rPr lang="es-CL" dirty="0" err="1" smtClean="0"/>
+              <a:t>y,x</a:t>
+            </a:r>
+            <a:r>
+              <a:rPr lang="es-CL" dirty="0" smtClean="0"/>
+              <a:t>), recordando que el y esta invertido, como ocurre con los disparos.</a:t>
+            </a:r>
+            <a:br>
+              <a:rPr lang="es-CL" dirty="0" smtClean="0"/>
+            </a:br>
+            <a:r>
+              <a:rPr lang="es-CL" dirty="0" smtClean="0"/>
+              <a:t>Pero para:</a:t>
+            </a:r>
+            <a:br>
+              <a:rPr lang="es-CL" dirty="0" smtClean="0"/>
+            </a:br>
+            <a:r>
+              <a:rPr lang="es-CL" dirty="0" smtClean="0"/>
+              <a:t>-Moverse hacia arriba-&gt;sumarle numero positivo a x</a:t>
+            </a:r>
+            <a:br>
+              <a:rPr lang="es-CL" dirty="0" smtClean="0"/>
+            </a:br>
+            <a:r>
+              <a:rPr lang="es-CL" dirty="0" smtClean="0"/>
+              <a:t>-Moverse hacia abajo-&gt;sumarle numero negativo a x</a:t>
+            </a:r>
+            <a:r>
+              <a:rPr lang="es-CL" dirty="0"/>
+              <a:t/>
+            </a:r>
+            <a:br>
+              <a:rPr lang="es-CL" dirty="0"/>
+            </a:br>
+            <a:r>
+              <a:rPr lang="es-CL" dirty="0" smtClean="0"/>
+              <a:t>-Moverse hacia izquierda-&gt;sumarle numero negativo a y</a:t>
+            </a:r>
+            <a:r>
+              <a:rPr lang="es-CL" dirty="0"/>
+              <a:t/>
+            </a:r>
+            <a:br>
+              <a:rPr lang="es-CL" dirty="0"/>
+            </a:br>
+            <a:r>
+              <a:rPr lang="es-CL" dirty="0" smtClean="0"/>
+              <a:t>-Moverse hacia derecha-&gt;sumarle numero positivo a y</a:t>
+            </a:r>
+            <a:endParaRPr lang="es-CL" dirty="0"/>
+          </a:p>
+        </p:txBody>
+      </p:sp>
+    </p:spTree>
+    <p:extLst>
+      <p:ext uri="{BB962C8B-B14F-4D97-AF65-F5344CB8AC3E}">
+        <p14:creationId xmlns:p14="http://schemas.microsoft.com/office/powerpoint/2010/main" val="3452743740"/>
+      </p:ext>
+    </p:extLst>
+  </p:cSld>
+  <p:clrMapOvr>
+    <a:masterClrMapping/>
+  </p:clrMapOvr>
+</p:sld>
+</file>
+
+<file path=ppt/slides/slide6.xml><?xml version="1.0" encoding="utf-8"?>
+<p:sld xmlns:a="http://schemas.openxmlformats.org/drawingml/2006/main" xmlns:r="http://schemas.openxmlformats.org/officeDocument/2006/relationships" xmlns:p="http://schemas.openxmlformats.org/presentationml/2006/main">
+  <p:cSld>
+    <p:spTree>
+      <p:nvGrpSpPr>
+        <p:cNvPr id="1" name=""/>
+        <p:cNvGrpSpPr/>
+        <p:nvPr/>
+      </p:nvGrpSpPr>
+      <p:grpSpPr>
+        <a:xfrm>
+          <a:off x="0" y="0"/>
+          <a:ext cx="0" cy="0"/>
+          <a:chOff x="0" y="0"/>
+          <a:chExt cx="0" cy="0"/>
+        </a:xfrm>
+      </p:grpSpPr>
+      <p:sp>
+        <p:nvSpPr>
+          <p:cNvPr id="2" name="1 Título"/>
+          <p:cNvSpPr>
+            <a:spLocks noGrp="1"/>
+          </p:cNvSpPr>
+          <p:nvPr>
+            <p:ph type="title"/>
+          </p:nvPr>
+        </p:nvSpPr>
+        <p:spPr/>
+        <p:txBody>
+          <a:bodyPr/>
+          <a:lstStyle/>
+          <a:p>
+            <a:endParaRPr lang="es-CL"/>
+          </a:p>
+        </p:txBody>
+      </p:sp>
+      <p:sp>
+        <p:nvSpPr>
+          <p:cNvPr id="3" name="2 Marcador de contenido"/>
+          <p:cNvSpPr>
+            <a:spLocks noGrp="1"/>
+          </p:cNvSpPr>
+          <p:nvPr>
+            <p:ph idx="1"/>
+          </p:nvPr>
+        </p:nvSpPr>
+        <p:spPr/>
+        <p:txBody>
+          <a:bodyPr/>
+          <a:lstStyle/>
+          <a:p>
+            <a:endParaRPr lang="es-CL" dirty="0"/>
+          </a:p>
+        </p:txBody>
+      </p:sp>
+      <p:pic>
+        <p:nvPicPr>
+          <p:cNvPr id="1026" name="Picture 2" descr="alt text"/>
+          <p:cNvPicPr>
+            <a:picLocks noChangeAspect="1" noChangeArrowheads="1"/>
+          </p:cNvPicPr>
+          <p:nvPr/>
+        </p:nvPicPr>
+        <p:blipFill>
+          <a:blip r:embed="rId3">
+            <a:extLst>
+              <a:ext uri="{28A0092B-C50C-407E-A947-70E740481C1C}">
+                <a14:useLocalDpi xmlns:a14="http://schemas.microsoft.com/office/drawing/2010/main" val="0"/>
+              </a:ext>
+            </a:extLst>
+          </a:blip>
+          <a:srcRect/>
+          <a:stretch>
+            <a:fillRect/>
+          </a:stretch>
+        </p:blipFill>
+        <p:spPr bwMode="auto">
+          <a:xfrm>
+            <a:off x="1556671" y="127000"/>
+            <a:ext cx="9144000" cy="6257926"/>
+          </a:xfrm>
+          <a:prstGeom prst="rect">
+            <a:avLst/>
+          </a:prstGeom>
+          <a:noFill/>
+          <a:extLst>
+            <a:ext uri="{909E8E84-426E-40DD-AFC4-6F175D3DCCD1}">
+              <a14:hiddenFill xmlns:a14="http://schemas.microsoft.com/office/drawing/2010/main">
+                <a:solidFill>
+                  <a:srgbClr val="FFFFFF"/>
+                </a:solidFill>
+              </a14:hiddenFill>
+            </a:ext>
+          </a:extLst>
+        </p:spPr>
+      </p:pic>
+      <p:sp>
+        <p:nvSpPr>
+          <p:cNvPr id="4" name="3 Elipse"/>
+          <p:cNvSpPr/>
+          <p:nvPr/>
+        </p:nvSpPr>
+        <p:spPr>
+          <a:xfrm>
+            <a:off x="3760839" y="3421626"/>
+            <a:ext cx="442451" cy="383458"/>
+          </a:xfrm>
+          <a:prstGeom prst="ellipse">
+            <a:avLst/>
+          </a:prstGeom>
+        </p:spPr>
+        <p:style>
+          <a:lnRef idx="2">
+            <a:schemeClr val="dk1">
+              <a:shade val="50000"/>
+            </a:schemeClr>
+          </a:lnRef>
+          <a:fillRef idx="1">
+            <a:schemeClr val="dk1"/>
+          </a:fillRef>
+          <a:effectRef idx="0">
+            <a:schemeClr val="dk1"/>
+          </a:effectRef>
+          <a:fontRef idx="minor">
+            <a:schemeClr val="lt1"/>
+          </a:fontRef>
+        </p:style>
+        <p:txBody>
+          <a:bodyPr rtlCol="0" anchor="ctr"/>
+          <a:lstStyle/>
+          <a:p>
+            <a:pPr algn="ctr"/>
+            <a:endParaRPr lang="es-CL"/>
+          </a:p>
+        </p:txBody>
+      </p:sp>
+      <p:sp>
+        <p:nvSpPr>
+          <p:cNvPr id="5" name="4 Elipse"/>
+          <p:cNvSpPr/>
+          <p:nvPr/>
+        </p:nvSpPr>
+        <p:spPr>
+          <a:xfrm>
+            <a:off x="8037871" y="3406878"/>
+            <a:ext cx="501445" cy="383458"/>
+          </a:xfrm>
+          <a:prstGeom prst="ellipse">
+            <a:avLst/>
+          </a:prstGeom>
+        </p:spPr>
+        <p:style>
+          <a:lnRef idx="0">
+            <a:schemeClr val="accent6"/>
+          </a:lnRef>
+          <a:fillRef idx="3">
+            <a:schemeClr val="accent6"/>
+          </a:fillRef>
+          <a:effectRef idx="3">
+            <a:schemeClr val="accent6"/>
+          </a:effectRef>
+          <a:fontRef idx="minor">
+            <a:schemeClr val="lt1"/>
+          </a:fontRef>
+        </p:style>
+        <p:txBody>
+          <a:bodyPr rtlCol="0" anchor="ctr"/>
+          <a:lstStyle/>
+          <a:p>
+            <a:pPr algn="ctr"/>
+            <a:endParaRPr lang="es-CL"/>
+          </a:p>
+        </p:txBody>
+      </p:sp>
+    </p:spTree>
+    <p:extLst>
+      <p:ext uri="{BB962C8B-B14F-4D97-AF65-F5344CB8AC3E}">
+        <p14:creationId xmlns:p14="http://schemas.microsoft.com/office/powerpoint/2010/main" val="3530183920"/>
+      </p:ext>
+    </p:extLst>
+  </p:cSld>
+  <p:clrMapOvr>
+    <a:masterClrMapping/>
+  </p:clrMapOvr>
+</p:sld>
+</file>
+
+<file path=ppt/slides/slide7.xml><?xml version="1.0" encoding="utf-8"?>
+<p:sld xmlns:a="http://schemas.openxmlformats.org/drawingml/2006/main" xmlns:r="http://schemas.openxmlformats.org/officeDocument/2006/relationships" xmlns:p="http://schemas.openxmlformats.org/presentationml/2006/main">
+  <p:cSld>
+    <p:spTree>
+      <p:nvGrpSpPr>
+        <p:cNvPr id="1" name=""/>
+        <p:cNvGrpSpPr/>
+        <p:nvPr/>
+      </p:nvGrpSpPr>
+      <p:grpSpPr>
+        <a:xfrm>
+          <a:off x="0" y="0"/>
+          <a:ext cx="0" cy="0"/>
+          <a:chOff x="0" y="0"/>
+          <a:chExt cx="0" cy="0"/>
+        </a:xfrm>
+      </p:grpSpPr>
+      <p:sp>
+        <p:nvSpPr>
           <p:cNvPr id="2" name="Título 1"/>
           <p:cNvSpPr>
             <a:spLocks noGrp="1"/>
@@ -13136,7 +13868,7 @@
         </p:spPr>
         <p:txBody>
           <a:bodyPr>
-            <a:normAutofit/>
+            <a:normAutofit fontScale="90000"/>
           </a:bodyPr>
           <a:lstStyle/>
           <a:p>
@@ -13204,7 +13936,7 @@
     </a:clrScheme>
     <a:fontScheme name="Circuito">
       <a:majorFont>
-        <a:latin typeface="Tw Cen MT" panose="020B0602020104020603"/>
+        <a:latin typeface="Tw Cen MT"/>
         <a:ea typeface=""/>
         <a:cs typeface=""/>
         <a:font script="Jpan" typeface="ＭＳ Ｐゴシック"/>
@@ -13239,7 +13971,7 @@
         <a:font script="Geor" typeface="Sylfaen"/>
       </a:majorFont>
       <a:minorFont>
-        <a:latin typeface="Tw Cen MT" panose="020B0602020104020603"/>
+        <a:latin typeface="Tw Cen MT"/>
         <a:ea typeface=""/>
         <a:cs typeface=""/>
         <a:font script="Jpan" typeface="ＭＳ Ｐゴシック"/>
@@ -13406,8 +14138,293 @@
   <a:extraClrSchemeLst/>
   <a:extLst>
     <a:ext uri="{05A4C25C-085E-4340-85A3-A5531E510DB2}">
-      <thm15:themeFamily xmlns:thm15="http://schemas.microsoft.com/office/thememl/2012/main" name="Circuit" id="{0AC2F7E7-15F5-431C-B2A2-456FE929F56C}" vid="{142578CA-DEC9-49C3-80AF-C113973CC9A9}"/>
+      <thm15:themeFamily xmlns:thm15="http://schemas.microsoft.com/office/thememl/2012/main" xmlns="" name="Circuit" id="{0AC2F7E7-15F5-431C-B2A2-456FE929F56C}" vid="{142578CA-DEC9-49C3-80AF-C113973CC9A9}"/>
     </a:ext>
   </a:extLst>
 </a:theme>
+</file>
+
+<file path=ppt/theme/theme2.xml><?xml version="1.0" encoding="utf-8"?>
+<a:theme xmlns:a="http://schemas.openxmlformats.org/drawingml/2006/main" name="Tema de Office">
+  <a:themeElements>
+    <a:clrScheme name="Office">
+      <a:dk1>
+        <a:sysClr val="windowText" lastClr="000000"/>
+      </a:dk1>
+      <a:lt1>
+        <a:sysClr val="window" lastClr="FFFFFF"/>
+      </a:lt1>
+      <a:dk2>
+        <a:srgbClr val="1F497D"/>
+      </a:dk2>
+      <a:lt2>
+        <a:srgbClr val="EEECE1"/>
+      </a:lt2>
+      <a:accent1>
+        <a:srgbClr val="4F81BD"/>
+      </a:accent1>
+      <a:accent2>
+        <a:srgbClr val="C0504D"/>
+      </a:accent2>
+      <a:accent3>
+        <a:srgbClr val="9BBB59"/>
+      </a:accent3>
+      <a:accent4>
+        <a:srgbClr val="8064A2"/>
+      </a:accent4>
+      <a:accent5>
+        <a:srgbClr val="4BACC6"/>
+      </a:accent5>
+      <a:accent6>
+        <a:srgbClr val="F79646"/>
+      </a:accent6>
+      <a:hlink>
+        <a:srgbClr val="0000FF"/>
+      </a:hlink>
+      <a:folHlink>
+        <a:srgbClr val="800080"/>
+      </a:folHlink>
+    </a:clrScheme>
+    <a:fontScheme name="Office">
+      <a:majorFont>
+        <a:latin typeface="Calibri"/>
+        <a:ea typeface=""/>
+        <a:cs typeface=""/>
+        <a:font script="Jpan" typeface="ＭＳ Ｐゴシック"/>
+        <a:font script="Hang" typeface="맑은 고딕"/>
+        <a:font script="Hans" typeface="宋体"/>
+        <a:font script="Hant" typeface="新細明體"/>
+        <a:font script="Arab" typeface="Times New Roman"/>
+        <a:font script="Hebr" typeface="Times New Roman"/>
+        <a:font script="Thai" typeface="Angsana New"/>
+        <a:font script="Ethi" typeface="Nyala"/>
+        <a:font script="Beng" typeface="Vrinda"/>
+        <a:font script="Gujr" typeface="Shruti"/>
+        <a:font script="Khmr" typeface="MoolBoran"/>
+        <a:font script="Knda" typeface="Tunga"/>
+        <a:font script="Guru" typeface="Raavi"/>
+        <a:font script="Cans" typeface="Euphemia"/>
+        <a:font script="Cher" typeface="Plantagenet Cherokee"/>
+        <a:font script="Yiii" typeface="Microsoft Yi Baiti"/>
+        <a:font script="Tibt" typeface="Microsoft Himalaya"/>
+        <a:font script="Thaa" typeface="MV Boli"/>
+        <a:font script="Deva" typeface="Mangal"/>
+        <a:font script="Telu" typeface="Gautami"/>
+        <a:font script="Taml" typeface="Latha"/>
+        <a:font script="Syrc" typeface="Estrangelo Edessa"/>
+        <a:font script="Orya" typeface="Kalinga"/>
+        <a:font script="Mlym" typeface="Kartika"/>
+        <a:font script="Laoo" typeface="DokChampa"/>
+        <a:font script="Sinh" typeface="Iskoola Pota"/>
+        <a:font script="Mong" typeface="Mongolian Baiti"/>
+        <a:font script="Viet" typeface="Times New Roman"/>
+        <a:font script="Uigh" typeface="Microsoft Uighur"/>
+        <a:font script="Geor" typeface="Sylfaen"/>
+      </a:majorFont>
+      <a:minorFont>
+        <a:latin typeface="Calibri"/>
+        <a:ea typeface=""/>
+        <a:cs typeface=""/>
+        <a:font script="Jpan" typeface="ＭＳ Ｐゴシック"/>
+        <a:font script="Hang" typeface="맑은 고딕"/>
+        <a:font script="Hans" typeface="宋体"/>
+        <a:font script="Hant" typeface="新細明體"/>
+        <a:font script="Arab" typeface="Arial"/>
+        <a:font script="Hebr" typeface="Arial"/>
+        <a:font script="Thai" typeface="Cordia New"/>
+        <a:font script="Ethi" typeface="Nyala"/>
+        <a:font script="Beng" typeface="Vrinda"/>
+        <a:font script="Gujr" typeface="Shruti"/>
+        <a:font script="Khmr" typeface="DaunPenh"/>
+        <a:font script="Knda" typeface="Tunga"/>
+        <a:font script="Guru" typeface="Raavi"/>
+        <a:font script="Cans" typeface="Euphemia"/>
+        <a:font script="Cher" typeface="Plantagenet Cherokee"/>
+        <a:font script="Yiii" typeface="Microsoft Yi Baiti"/>
+        <a:font script="Tibt" typeface="Microsoft Himalaya"/>
+        <a:font script="Thaa" typeface="MV Boli"/>
+        <a:font script="Deva" typeface="Mangal"/>
+        <a:font script="Telu" typeface="Gautami"/>
+        <a:font script="Taml" typeface="Latha"/>
+        <a:font script="Syrc" typeface="Estrangelo Edessa"/>
+        <a:font script="Orya" typeface="Kalinga"/>
+        <a:font script="Mlym" typeface="Kartika"/>
+        <a:font script="Laoo" typeface="DokChampa"/>
+        <a:font script="Sinh" typeface="Iskoola Pota"/>
+        <a:font script="Mong" typeface="Mongolian Baiti"/>
+        <a:font script="Viet" typeface="Arial"/>
+        <a:font script="Uigh" typeface="Microsoft Uighur"/>
+        <a:font script="Geor" typeface="Sylfaen"/>
+      </a:minorFont>
+    </a:fontScheme>
+    <a:fmtScheme name="Office">
+      <a:fillStyleLst>
+        <a:solidFill>
+          <a:schemeClr val="phClr"/>
+        </a:solidFill>
+        <a:gradFill rotWithShape="1">
+          <a:gsLst>
+            <a:gs pos="0">
+              <a:schemeClr val="phClr">
+                <a:tint val="50000"/>
+                <a:satMod val="300000"/>
+              </a:schemeClr>
+            </a:gs>
+            <a:gs pos="35000">
+              <a:schemeClr val="phClr">
+                <a:tint val="37000"/>
+                <a:satMod val="300000"/>
+              </a:schemeClr>
+            </a:gs>
+            <a:gs pos="100000">
+              <a:schemeClr val="phClr">
+                <a:tint val="15000"/>
+                <a:satMod val="350000"/>
+              </a:schemeClr>
+            </a:gs>
+          </a:gsLst>
+          <a:lin ang="16200000" scaled="1"/>
+        </a:gradFill>
+        <a:gradFill rotWithShape="1">
+          <a:gsLst>
+            <a:gs pos="0">
+              <a:schemeClr val="phClr">
+                <a:shade val="51000"/>
+                <a:satMod val="130000"/>
+              </a:schemeClr>
+            </a:gs>
+            <a:gs pos="80000">
+              <a:schemeClr val="phClr">
+                <a:shade val="93000"/>
+                <a:satMod val="130000"/>
+              </a:schemeClr>
+            </a:gs>
+            <a:gs pos="100000">
+              <a:schemeClr val="phClr">
+                <a:shade val="94000"/>
+                <a:satMod val="135000"/>
+              </a:schemeClr>
+            </a:gs>
+          </a:gsLst>
+          <a:lin ang="16200000" scaled="0"/>
+        </a:gradFill>
+      </a:fillStyleLst>
+      <a:lnStyleLst>
+        <a:ln w="9525" cap="flat" cmpd="sng" algn="ctr">
+          <a:solidFill>
+            <a:schemeClr val="phClr">
+              <a:shade val="95000"/>
+              <a:satMod val="105000"/>
+            </a:schemeClr>
+          </a:solidFill>
+          <a:prstDash val="solid"/>
+        </a:ln>
+        <a:ln w="25400" cap="flat" cmpd="sng" algn="ctr">
+          <a:solidFill>
+            <a:schemeClr val="phClr"/>
+          </a:solidFill>
+          <a:prstDash val="solid"/>
+        </a:ln>
+        <a:ln w="38100" cap="flat" cmpd="sng" algn="ctr">
+          <a:solidFill>
+            <a:schemeClr val="phClr"/>
+          </a:solidFill>
+          <a:prstDash val="solid"/>
+        </a:ln>
+      </a:lnStyleLst>
+      <a:effectStyleLst>
+        <a:effectStyle>
+          <a:effectLst>
+            <a:outerShdw blurRad="40000" dist="20000" dir="5400000" rotWithShape="0">
+              <a:srgbClr val="000000">
+                <a:alpha val="38000"/>
+              </a:srgbClr>
+            </a:outerShdw>
+          </a:effectLst>
+        </a:effectStyle>
+        <a:effectStyle>
+          <a:effectLst>
+            <a:outerShdw blurRad="40000" dist="23000" dir="5400000" rotWithShape="0">
+              <a:srgbClr val="000000">
+                <a:alpha val="35000"/>
+              </a:srgbClr>
+            </a:outerShdw>
+          </a:effectLst>
+        </a:effectStyle>
+        <a:effectStyle>
+          <a:effectLst>
+            <a:outerShdw blurRad="40000" dist="23000" dir="5400000" rotWithShape="0">
+              <a:srgbClr val="000000">
+                <a:alpha val="35000"/>
+              </a:srgbClr>
+            </a:outerShdw>
+          </a:effectLst>
+          <a:scene3d>
+            <a:camera prst="orthographicFront">
+              <a:rot lat="0" lon="0" rev="0"/>
+            </a:camera>
+            <a:lightRig rig="threePt" dir="t">
+              <a:rot lat="0" lon="0" rev="1200000"/>
+            </a:lightRig>
+          </a:scene3d>
+          <a:sp3d>
+            <a:bevelT w="63500" h="25400"/>
+          </a:sp3d>
+        </a:effectStyle>
+      </a:effectStyleLst>
+      <a:bgFillStyleLst>
+        <a:solidFill>
+          <a:schemeClr val="phClr"/>
+        </a:solidFill>
+        <a:gradFill rotWithShape="1">
+          <a:gsLst>
+            <a:gs pos="0">
+              <a:schemeClr val="phClr">
+                <a:tint val="40000"/>
+                <a:satMod val="350000"/>
+              </a:schemeClr>
+            </a:gs>
+            <a:gs pos="40000">
+              <a:schemeClr val="phClr">
+                <a:tint val="45000"/>
+                <a:shade val="99000"/>
+                <a:satMod val="350000"/>
+              </a:schemeClr>
+            </a:gs>
+            <a:gs pos="100000">
+              <a:schemeClr val="phClr">
+                <a:shade val="20000"/>
+                <a:satMod val="255000"/>
+              </a:schemeClr>
+            </a:gs>
+          </a:gsLst>
+          <a:path path="circle">
+            <a:fillToRect l="50000" t="-80000" r="50000" b="180000"/>
+          </a:path>
+        </a:gradFill>
+        <a:gradFill rotWithShape="1">
+          <a:gsLst>
+            <a:gs pos="0">
+              <a:schemeClr val="phClr">
+                <a:tint val="80000"/>
+                <a:satMod val="300000"/>
+              </a:schemeClr>
+            </a:gs>
+            <a:gs pos="100000">
+              <a:schemeClr val="phClr">
+                <a:shade val="30000"/>
+                <a:satMod val="200000"/>
+              </a:schemeClr>
+            </a:gs>
+          </a:gsLst>
+          <a:path path="circle">
+            <a:fillToRect l="50000" t="50000" r="50000" b="50000"/>
+          </a:path>
+        </a:gradFill>
+      </a:bgFillStyleLst>
+    </a:fmtScheme>
+  </a:themeElements>
+  <a:objectDefaults/>
+  <a:extraClrSchemeLst/>
+</a:theme>
 </file>